--- a/misc/ppt/limitless.pptx
+++ b/misc/ppt/limitless.pptx
@@ -4,11 +4,19 @@
   <p:sldMasterIdLst>
     <p:sldMasterId id="2147483648" r:id="rId1"/>
   </p:sldMasterIdLst>
+  <p:notesMasterIdLst>
+    <p:notesMasterId r:id="rId11"/>
+  </p:notesMasterIdLst>
   <p:sldIdLst>
     <p:sldId id="256" r:id="rId2"/>
     <p:sldId id="258" r:id="rId3"/>
-    <p:sldId id="257" r:id="rId4"/>
-    <p:sldId id="259" r:id="rId5"/>
+    <p:sldId id="259" r:id="rId4"/>
+    <p:sldId id="260" r:id="rId5"/>
+    <p:sldId id="262" r:id="rId6"/>
+    <p:sldId id="257" r:id="rId7"/>
+    <p:sldId id="263" r:id="rId8"/>
+    <p:sldId id="265" r:id="rId9"/>
+    <p:sldId id="264" r:id="rId10"/>
   </p:sldIdLst>
   <p:sldSz cx="9144000" cy="6858000" type="screen4x3"/>
   <p:notesSz cx="6858000" cy="9144000"/>
@@ -108,6 +116,440 @@
     </a:lvl9pPr>
   </p:defaultTextStyle>
 </p:presentation>
+</file>
+
+<file path=ppt/notesMasters/notesMaster1.xml><?xml version="1.0" encoding="utf-8"?>
+<p:notesMaster xmlns:a="http://schemas.openxmlformats.org/drawingml/2006/main" xmlns:r="http://schemas.openxmlformats.org/officeDocument/2006/relationships" xmlns:p="http://schemas.openxmlformats.org/presentationml/2006/main">
+  <p:cSld>
+    <p:bg>
+      <p:bgRef idx="1001">
+        <a:schemeClr val="bg1"/>
+      </p:bgRef>
+    </p:bg>
+    <p:spTree>
+      <p:nvGrpSpPr>
+        <p:cNvPr id="1" name=""/>
+        <p:cNvGrpSpPr/>
+        <p:nvPr/>
+      </p:nvGrpSpPr>
+      <p:grpSpPr>
+        <a:xfrm>
+          <a:off x="0" y="0"/>
+          <a:ext cx="0" cy="0"/>
+          <a:chOff x="0" y="0"/>
+          <a:chExt cx="0" cy="0"/>
+        </a:xfrm>
+      </p:grpSpPr>
+      <p:sp>
+        <p:nvSpPr>
+          <p:cNvPr id="2" name="Header Placeholder 1"/>
+          <p:cNvSpPr>
+            <a:spLocks noGrp="1"/>
+          </p:cNvSpPr>
+          <p:nvPr>
+            <p:ph type="hdr" sz="quarter"/>
+          </p:nvPr>
+        </p:nvSpPr>
+        <p:spPr>
+          <a:xfrm>
+            <a:off x="0" y="0"/>
+            <a:ext cx="2971800" cy="457200"/>
+          </a:xfrm>
+          <a:prstGeom prst="rect">
+            <a:avLst/>
+          </a:prstGeom>
+        </p:spPr>
+        <p:txBody>
+          <a:bodyPr vert="horz" lIns="91440" tIns="45720" rIns="91440" bIns="45720" rtlCol="0"/>
+          <a:lstStyle>
+            <a:lvl1pPr algn="l">
+              <a:defRPr sz="1200"/>
+            </a:lvl1pPr>
+          </a:lstStyle>
+          <a:p>
+            <a:endParaRPr lang="en-US"/>
+          </a:p>
+        </p:txBody>
+      </p:sp>
+      <p:sp>
+        <p:nvSpPr>
+          <p:cNvPr id="3" name="Date Placeholder 2"/>
+          <p:cNvSpPr>
+            <a:spLocks noGrp="1"/>
+          </p:cNvSpPr>
+          <p:nvPr>
+            <p:ph type="dt" idx="1"/>
+          </p:nvPr>
+        </p:nvSpPr>
+        <p:spPr>
+          <a:xfrm>
+            <a:off x="3884613" y="0"/>
+            <a:ext cx="2971800" cy="457200"/>
+          </a:xfrm>
+          <a:prstGeom prst="rect">
+            <a:avLst/>
+          </a:prstGeom>
+        </p:spPr>
+        <p:txBody>
+          <a:bodyPr vert="horz" lIns="91440" tIns="45720" rIns="91440" bIns="45720" rtlCol="0"/>
+          <a:lstStyle>
+            <a:lvl1pPr algn="r">
+              <a:defRPr sz="1200"/>
+            </a:lvl1pPr>
+          </a:lstStyle>
+          <a:p>
+            <a:fld id="{0E0C3486-EAA8-EA49-AB9A-B10E851F16CE}" type="datetimeFigureOut">
+              <a:rPr lang="en-US" smtClean="0"/>
+              <a:t>7/5/14</a:t>
+            </a:fld>
+            <a:endParaRPr lang="en-US"/>
+          </a:p>
+        </p:txBody>
+      </p:sp>
+      <p:sp>
+        <p:nvSpPr>
+          <p:cNvPr id="4" name="Slide Image Placeholder 3"/>
+          <p:cNvSpPr>
+            <a:spLocks noGrp="1" noRot="1" noChangeAspect="1"/>
+          </p:cNvSpPr>
+          <p:nvPr>
+            <p:ph type="sldImg" idx="2"/>
+          </p:nvPr>
+        </p:nvSpPr>
+        <p:spPr>
+          <a:xfrm>
+            <a:off x="1143000" y="685800"/>
+            <a:ext cx="4572000" cy="3429000"/>
+          </a:xfrm>
+          <a:prstGeom prst="rect">
+            <a:avLst/>
+          </a:prstGeom>
+          <a:noFill/>
+          <a:ln w="12700">
+            <a:solidFill>
+              <a:prstClr val="black"/>
+            </a:solidFill>
+          </a:ln>
+        </p:spPr>
+        <p:txBody>
+          <a:bodyPr vert="horz" lIns="91440" tIns="45720" rIns="91440" bIns="45720" rtlCol="0" anchor="ctr"/>
+          <a:lstStyle/>
+          <a:p>
+            <a:endParaRPr lang="en-US"/>
+          </a:p>
+        </p:txBody>
+      </p:sp>
+      <p:sp>
+        <p:nvSpPr>
+          <p:cNvPr id="5" name="Notes Placeholder 4"/>
+          <p:cNvSpPr>
+            <a:spLocks noGrp="1"/>
+          </p:cNvSpPr>
+          <p:nvPr>
+            <p:ph type="body" sz="quarter" idx="3"/>
+          </p:nvPr>
+        </p:nvSpPr>
+        <p:spPr>
+          <a:xfrm>
+            <a:off x="685800" y="4343400"/>
+            <a:ext cx="5486400" cy="4114800"/>
+          </a:xfrm>
+          <a:prstGeom prst="rect">
+            <a:avLst/>
+          </a:prstGeom>
+        </p:spPr>
+        <p:txBody>
+          <a:bodyPr vert="horz" lIns="91440" tIns="45720" rIns="91440" bIns="45720" rtlCol="0"/>
+          <a:lstStyle/>
+          <a:p>
+            <a:pPr lvl="0"/>
+            <a:r>
+              <a:rPr lang="en-US" smtClean="0"/>
+              <a:t>Click to edit Master text styles</a:t>
+            </a:r>
+          </a:p>
+          <a:p>
+            <a:pPr lvl="1"/>
+            <a:r>
+              <a:rPr lang="en-US" smtClean="0"/>
+              <a:t>Second level</a:t>
+            </a:r>
+          </a:p>
+          <a:p>
+            <a:pPr lvl="2"/>
+            <a:r>
+              <a:rPr lang="en-US" smtClean="0"/>
+              <a:t>Third level</a:t>
+            </a:r>
+          </a:p>
+          <a:p>
+            <a:pPr lvl="3"/>
+            <a:r>
+              <a:rPr lang="en-US" smtClean="0"/>
+              <a:t>Fourth level</a:t>
+            </a:r>
+          </a:p>
+          <a:p>
+            <a:pPr lvl="4"/>
+            <a:r>
+              <a:rPr lang="en-US" smtClean="0"/>
+              <a:t>Fifth level</a:t>
+            </a:r>
+            <a:endParaRPr lang="en-US"/>
+          </a:p>
+        </p:txBody>
+      </p:sp>
+      <p:sp>
+        <p:nvSpPr>
+          <p:cNvPr id="6" name="Footer Placeholder 5"/>
+          <p:cNvSpPr>
+            <a:spLocks noGrp="1"/>
+          </p:cNvSpPr>
+          <p:nvPr>
+            <p:ph type="ftr" sz="quarter" idx="4"/>
+          </p:nvPr>
+        </p:nvSpPr>
+        <p:spPr>
+          <a:xfrm>
+            <a:off x="0" y="8685213"/>
+            <a:ext cx="2971800" cy="457200"/>
+          </a:xfrm>
+          <a:prstGeom prst="rect">
+            <a:avLst/>
+          </a:prstGeom>
+        </p:spPr>
+        <p:txBody>
+          <a:bodyPr vert="horz" lIns="91440" tIns="45720" rIns="91440" bIns="45720" rtlCol="0" anchor="b"/>
+          <a:lstStyle>
+            <a:lvl1pPr algn="l">
+              <a:defRPr sz="1200"/>
+            </a:lvl1pPr>
+          </a:lstStyle>
+          <a:p>
+            <a:endParaRPr lang="en-US"/>
+          </a:p>
+        </p:txBody>
+      </p:sp>
+      <p:sp>
+        <p:nvSpPr>
+          <p:cNvPr id="7" name="Slide Number Placeholder 6"/>
+          <p:cNvSpPr>
+            <a:spLocks noGrp="1"/>
+          </p:cNvSpPr>
+          <p:nvPr>
+            <p:ph type="sldNum" sz="quarter" idx="5"/>
+          </p:nvPr>
+        </p:nvSpPr>
+        <p:spPr>
+          <a:xfrm>
+            <a:off x="3884613" y="8685213"/>
+            <a:ext cx="2971800" cy="457200"/>
+          </a:xfrm>
+          <a:prstGeom prst="rect">
+            <a:avLst/>
+          </a:prstGeom>
+        </p:spPr>
+        <p:txBody>
+          <a:bodyPr vert="horz" lIns="91440" tIns="45720" rIns="91440" bIns="45720" rtlCol="0" anchor="b"/>
+          <a:lstStyle>
+            <a:lvl1pPr algn="r">
+              <a:defRPr sz="1200"/>
+            </a:lvl1pPr>
+          </a:lstStyle>
+          <a:p>
+            <a:fld id="{DF323CE1-803A-A24D-90F8-02AAB6D548E3}" type="slidenum">
+              <a:rPr lang="en-US" smtClean="0"/>
+              <a:t>‹#›</a:t>
+            </a:fld>
+            <a:endParaRPr lang="en-US"/>
+          </a:p>
+        </p:txBody>
+      </p:sp>
+    </p:spTree>
+    <p:extLst>
+      <p:ext uri="{BB962C8B-B14F-4D97-AF65-F5344CB8AC3E}">
+        <p14:creationId xmlns:p14="http://schemas.microsoft.com/office/powerpoint/2010/main" val="1957180995"/>
+      </p:ext>
+    </p:extLst>
+  </p:cSld>
+  <p:clrMap bg1="lt1" tx1="dk1" bg2="lt2" tx2="dk2" accent1="accent1" accent2="accent2" accent3="accent3" accent4="accent4" accent5="accent5" accent6="accent6" hlink="hlink" folHlink="folHlink"/>
+  <p:notesStyle>
+    <a:lvl1pPr marL="0" algn="l" defTabSz="457200" rtl="0" eaLnBrk="1" latinLnBrk="0" hangingPunct="1">
+      <a:defRPr sz="1200" kern="1200">
+        <a:solidFill>
+          <a:schemeClr val="tx1"/>
+        </a:solidFill>
+        <a:latin typeface="+mn-lt"/>
+        <a:ea typeface="+mn-ea"/>
+        <a:cs typeface="+mn-cs"/>
+      </a:defRPr>
+    </a:lvl1pPr>
+    <a:lvl2pPr marL="457200" algn="l" defTabSz="457200" rtl="0" eaLnBrk="1" latinLnBrk="0" hangingPunct="1">
+      <a:defRPr sz="1200" kern="1200">
+        <a:solidFill>
+          <a:schemeClr val="tx1"/>
+        </a:solidFill>
+        <a:latin typeface="+mn-lt"/>
+        <a:ea typeface="+mn-ea"/>
+        <a:cs typeface="+mn-cs"/>
+      </a:defRPr>
+    </a:lvl2pPr>
+    <a:lvl3pPr marL="914400" algn="l" defTabSz="457200" rtl="0" eaLnBrk="1" latinLnBrk="0" hangingPunct="1">
+      <a:defRPr sz="1200" kern="1200">
+        <a:solidFill>
+          <a:schemeClr val="tx1"/>
+        </a:solidFill>
+        <a:latin typeface="+mn-lt"/>
+        <a:ea typeface="+mn-ea"/>
+        <a:cs typeface="+mn-cs"/>
+      </a:defRPr>
+    </a:lvl3pPr>
+    <a:lvl4pPr marL="1371600" algn="l" defTabSz="457200" rtl="0" eaLnBrk="1" latinLnBrk="0" hangingPunct="1">
+      <a:defRPr sz="1200" kern="1200">
+        <a:solidFill>
+          <a:schemeClr val="tx1"/>
+        </a:solidFill>
+        <a:latin typeface="+mn-lt"/>
+        <a:ea typeface="+mn-ea"/>
+        <a:cs typeface="+mn-cs"/>
+      </a:defRPr>
+    </a:lvl4pPr>
+    <a:lvl5pPr marL="1828800" algn="l" defTabSz="457200" rtl="0" eaLnBrk="1" latinLnBrk="0" hangingPunct="1">
+      <a:defRPr sz="1200" kern="1200">
+        <a:solidFill>
+          <a:schemeClr val="tx1"/>
+        </a:solidFill>
+        <a:latin typeface="+mn-lt"/>
+        <a:ea typeface="+mn-ea"/>
+        <a:cs typeface="+mn-cs"/>
+      </a:defRPr>
+    </a:lvl5pPr>
+    <a:lvl6pPr marL="2286000" algn="l" defTabSz="457200" rtl="0" eaLnBrk="1" latinLnBrk="0" hangingPunct="1">
+      <a:defRPr sz="1200" kern="1200">
+        <a:solidFill>
+          <a:schemeClr val="tx1"/>
+        </a:solidFill>
+        <a:latin typeface="+mn-lt"/>
+        <a:ea typeface="+mn-ea"/>
+        <a:cs typeface="+mn-cs"/>
+      </a:defRPr>
+    </a:lvl6pPr>
+    <a:lvl7pPr marL="2743200" algn="l" defTabSz="457200" rtl="0" eaLnBrk="1" latinLnBrk="0" hangingPunct="1">
+      <a:defRPr sz="1200" kern="1200">
+        <a:solidFill>
+          <a:schemeClr val="tx1"/>
+        </a:solidFill>
+        <a:latin typeface="+mn-lt"/>
+        <a:ea typeface="+mn-ea"/>
+        <a:cs typeface="+mn-cs"/>
+      </a:defRPr>
+    </a:lvl7pPr>
+    <a:lvl8pPr marL="3200400" algn="l" defTabSz="457200" rtl="0" eaLnBrk="1" latinLnBrk="0" hangingPunct="1">
+      <a:defRPr sz="1200" kern="1200">
+        <a:solidFill>
+          <a:schemeClr val="tx1"/>
+        </a:solidFill>
+        <a:latin typeface="+mn-lt"/>
+        <a:ea typeface="+mn-ea"/>
+        <a:cs typeface="+mn-cs"/>
+      </a:defRPr>
+    </a:lvl8pPr>
+    <a:lvl9pPr marL="3657600" algn="l" defTabSz="457200" rtl="0" eaLnBrk="1" latinLnBrk="0" hangingPunct="1">
+      <a:defRPr sz="1200" kern="1200">
+        <a:solidFill>
+          <a:schemeClr val="tx1"/>
+        </a:solidFill>
+        <a:latin typeface="+mn-lt"/>
+        <a:ea typeface="+mn-ea"/>
+        <a:cs typeface="+mn-cs"/>
+      </a:defRPr>
+    </a:lvl9pPr>
+  </p:notesStyle>
+</p:notesMaster>
+</file>
+
+<file path=ppt/notesSlides/notesSlide1.xml><?xml version="1.0" encoding="utf-8"?>
+<p:notes xmlns:a="http://schemas.openxmlformats.org/drawingml/2006/main" xmlns:r="http://schemas.openxmlformats.org/officeDocument/2006/relationships" xmlns:p="http://schemas.openxmlformats.org/presentationml/2006/main">
+  <p:cSld>
+    <p:spTree>
+      <p:nvGrpSpPr>
+        <p:cNvPr id="1" name=""/>
+        <p:cNvGrpSpPr/>
+        <p:nvPr/>
+      </p:nvGrpSpPr>
+      <p:grpSpPr>
+        <a:xfrm>
+          <a:off x="0" y="0"/>
+          <a:ext cx="0" cy="0"/>
+          <a:chOff x="0" y="0"/>
+          <a:chExt cx="0" cy="0"/>
+        </a:xfrm>
+      </p:grpSpPr>
+      <p:sp>
+        <p:nvSpPr>
+          <p:cNvPr id="2" name="Slide Image Placeholder 1"/>
+          <p:cNvSpPr>
+            <a:spLocks noGrp="1" noRot="1" noChangeAspect="1"/>
+          </p:cNvSpPr>
+          <p:nvPr>
+            <p:ph type="sldImg"/>
+          </p:nvPr>
+        </p:nvSpPr>
+        <p:spPr/>
+      </p:sp>
+      <p:sp>
+        <p:nvSpPr>
+          <p:cNvPr id="3" name="Notes Placeholder 2"/>
+          <p:cNvSpPr>
+            <a:spLocks noGrp="1"/>
+          </p:cNvSpPr>
+          <p:nvPr>
+            <p:ph type="body" idx="1"/>
+          </p:nvPr>
+        </p:nvSpPr>
+        <p:spPr/>
+        <p:txBody>
+          <a:bodyPr/>
+          <a:lstStyle/>
+          <a:p>
+            <a:endParaRPr lang="en-US" dirty="0"/>
+          </a:p>
+        </p:txBody>
+      </p:sp>
+      <p:sp>
+        <p:nvSpPr>
+          <p:cNvPr id="4" name="Slide Number Placeholder 3"/>
+          <p:cNvSpPr>
+            <a:spLocks noGrp="1"/>
+          </p:cNvSpPr>
+          <p:nvPr>
+            <p:ph type="sldNum" sz="quarter" idx="10"/>
+          </p:nvPr>
+        </p:nvSpPr>
+        <p:spPr/>
+        <p:txBody>
+          <a:bodyPr/>
+          <a:lstStyle/>
+          <a:p>
+            <a:fld id="{DF323CE1-803A-A24D-90F8-02AAB6D548E3}" type="slidenum">
+              <a:rPr lang="en-US" smtClean="0"/>
+              <a:t>3</a:t>
+            </a:fld>
+            <a:endParaRPr lang="en-US"/>
+          </a:p>
+        </p:txBody>
+      </p:sp>
+    </p:spTree>
+    <p:extLst>
+      <p:ext uri="{BB962C8B-B14F-4D97-AF65-F5344CB8AC3E}">
+        <p14:creationId xmlns:p14="http://schemas.microsoft.com/office/powerpoint/2010/main" val="1079465286"/>
+      </p:ext>
+    </p:extLst>
+  </p:cSld>
+  <p:clrMapOvr>
+    <a:masterClrMapping/>
+  </p:clrMapOvr>
+</p:notes>
 </file>
 
 <file path=ppt/slideLayouts/slideLayout1.xml><?xml version="1.0" encoding="utf-8"?>
@@ -3120,50 +3562,6 @@
           </a:p>
         </p:txBody>
       </p:sp>
-      <p:sp>
-        <p:nvSpPr>
-          <p:cNvPr id="3" name="Subtitle 2"/>
-          <p:cNvSpPr>
-            <a:spLocks noGrp="1"/>
-          </p:cNvSpPr>
-          <p:nvPr>
-            <p:ph type="subTitle" idx="1"/>
-          </p:nvPr>
-        </p:nvSpPr>
-        <p:spPr>
-          <a:xfrm>
-            <a:off x="1456787" y="6132994"/>
-            <a:ext cx="6400800" cy="587014"/>
-          </a:xfrm>
-        </p:spPr>
-        <p:txBody>
-          <a:bodyPr>
-            <a:normAutofit fontScale="62500" lnSpcReduction="20000"/>
-          </a:bodyPr>
-          <a:lstStyle/>
-          <a:p>
-            <a:r>
-              <a:rPr lang="en-US" sz="2200" i="1" dirty="0"/>
-              <a:t>c</a:t>
-            </a:r>
-            <a:r>
-              <a:rPr lang="en-US" sz="2200" i="1" dirty="0" smtClean="0"/>
-              <a:t>reated by</a:t>
-            </a:r>
-          </a:p>
-          <a:p>
-            <a:r>
-              <a:rPr lang="en-US" dirty="0" err="1" smtClean="0"/>
-              <a:t>Sathish</a:t>
-            </a:r>
-            <a:r>
-              <a:rPr lang="en-US" dirty="0" smtClean="0"/>
-              <a:t> VJ</a:t>
-            </a:r>
-            <a:endParaRPr lang="en-US" dirty="0"/>
-          </a:p>
-        </p:txBody>
-      </p:sp>
       <p:pic>
         <p:nvPicPr>
           <p:cNvPr id="4" name="Picture 3" descr="limitless-screen-land-1280x720.png"/>
@@ -3194,6 +3592,217 @@
           </a:prstGeom>
         </p:spPr>
       </p:pic>
+      <p:sp>
+        <p:nvSpPr>
+          <p:cNvPr id="5" name="Subtitle 2"/>
+          <p:cNvSpPr txBox="1">
+            <a:spLocks/>
+          </p:cNvSpPr>
+          <p:nvPr/>
+        </p:nvSpPr>
+        <p:spPr>
+          <a:xfrm>
+            <a:off x="1456787" y="5985858"/>
+            <a:ext cx="6400800" cy="587014"/>
+          </a:xfrm>
+          <a:prstGeom prst="rect">
+            <a:avLst/>
+          </a:prstGeom>
+        </p:spPr>
+        <p:txBody>
+          <a:bodyPr vert="horz" lIns="91440" tIns="45720" rIns="91440" bIns="45720" rtlCol="0">
+            <a:normAutofit fontScale="62500" lnSpcReduction="20000"/>
+          </a:bodyPr>
+          <a:lstStyle>
+            <a:lvl1pPr marL="342900" indent="-342900" algn="l" defTabSz="457200" rtl="0" eaLnBrk="1" latinLnBrk="0" hangingPunct="1">
+              <a:spcBef>
+                <a:spcPct val="20000"/>
+              </a:spcBef>
+              <a:buFont typeface="Arial"/>
+              <a:buChar char="•"/>
+              <a:defRPr sz="3200" kern="1200">
+                <a:solidFill>
+                  <a:schemeClr val="tx1"/>
+                </a:solidFill>
+                <a:latin typeface="+mn-lt"/>
+                <a:ea typeface="+mn-ea"/>
+                <a:cs typeface="+mn-cs"/>
+              </a:defRPr>
+            </a:lvl1pPr>
+            <a:lvl2pPr marL="742950" indent="-285750" algn="l" defTabSz="457200" rtl="0" eaLnBrk="1" latinLnBrk="0" hangingPunct="1">
+              <a:spcBef>
+                <a:spcPct val="20000"/>
+              </a:spcBef>
+              <a:buFont typeface="Arial"/>
+              <a:buChar char="–"/>
+              <a:defRPr sz="2800" kern="1200">
+                <a:solidFill>
+                  <a:schemeClr val="tx1"/>
+                </a:solidFill>
+                <a:latin typeface="+mn-lt"/>
+                <a:ea typeface="+mn-ea"/>
+                <a:cs typeface="+mn-cs"/>
+              </a:defRPr>
+            </a:lvl2pPr>
+            <a:lvl3pPr marL="1143000" indent="-228600" algn="l" defTabSz="457200" rtl="0" eaLnBrk="1" latinLnBrk="0" hangingPunct="1">
+              <a:spcBef>
+                <a:spcPct val="20000"/>
+              </a:spcBef>
+              <a:buFont typeface="Arial"/>
+              <a:buChar char="•"/>
+              <a:defRPr sz="2400" kern="1200">
+                <a:solidFill>
+                  <a:schemeClr val="tx1"/>
+                </a:solidFill>
+                <a:latin typeface="+mn-lt"/>
+                <a:ea typeface="+mn-ea"/>
+                <a:cs typeface="+mn-cs"/>
+              </a:defRPr>
+            </a:lvl3pPr>
+            <a:lvl4pPr marL="1600200" indent="-228600" algn="l" defTabSz="457200" rtl="0" eaLnBrk="1" latinLnBrk="0" hangingPunct="1">
+              <a:spcBef>
+                <a:spcPct val="20000"/>
+              </a:spcBef>
+              <a:buFont typeface="Arial"/>
+              <a:buChar char="–"/>
+              <a:defRPr sz="2000" kern="1200">
+                <a:solidFill>
+                  <a:schemeClr val="tx1"/>
+                </a:solidFill>
+                <a:latin typeface="+mn-lt"/>
+                <a:ea typeface="+mn-ea"/>
+                <a:cs typeface="+mn-cs"/>
+              </a:defRPr>
+            </a:lvl4pPr>
+            <a:lvl5pPr marL="2057400" indent="-228600" algn="l" defTabSz="457200" rtl="0" eaLnBrk="1" latinLnBrk="0" hangingPunct="1">
+              <a:spcBef>
+                <a:spcPct val="20000"/>
+              </a:spcBef>
+              <a:buFont typeface="Arial"/>
+              <a:buChar char="»"/>
+              <a:defRPr sz="2000" kern="1200">
+                <a:solidFill>
+                  <a:schemeClr val="tx1"/>
+                </a:solidFill>
+                <a:latin typeface="+mn-lt"/>
+                <a:ea typeface="+mn-ea"/>
+                <a:cs typeface="+mn-cs"/>
+              </a:defRPr>
+            </a:lvl5pPr>
+            <a:lvl6pPr marL="2514600" indent="-228600" algn="l" defTabSz="457200" rtl="0" eaLnBrk="1" latinLnBrk="0" hangingPunct="1">
+              <a:spcBef>
+                <a:spcPct val="20000"/>
+              </a:spcBef>
+              <a:buFont typeface="Arial"/>
+              <a:buChar char="•"/>
+              <a:defRPr sz="2000" kern="1200">
+                <a:solidFill>
+                  <a:schemeClr val="tx1"/>
+                </a:solidFill>
+                <a:latin typeface="+mn-lt"/>
+                <a:ea typeface="+mn-ea"/>
+                <a:cs typeface="+mn-cs"/>
+              </a:defRPr>
+            </a:lvl6pPr>
+            <a:lvl7pPr marL="2971800" indent="-228600" algn="l" defTabSz="457200" rtl="0" eaLnBrk="1" latinLnBrk="0" hangingPunct="1">
+              <a:spcBef>
+                <a:spcPct val="20000"/>
+              </a:spcBef>
+              <a:buFont typeface="Arial"/>
+              <a:buChar char="•"/>
+              <a:defRPr sz="2000" kern="1200">
+                <a:solidFill>
+                  <a:schemeClr val="tx1"/>
+                </a:solidFill>
+                <a:latin typeface="+mn-lt"/>
+                <a:ea typeface="+mn-ea"/>
+                <a:cs typeface="+mn-cs"/>
+              </a:defRPr>
+            </a:lvl7pPr>
+            <a:lvl8pPr marL="3429000" indent="-228600" algn="l" defTabSz="457200" rtl="0" eaLnBrk="1" latinLnBrk="0" hangingPunct="1">
+              <a:spcBef>
+                <a:spcPct val="20000"/>
+              </a:spcBef>
+              <a:buFont typeface="Arial"/>
+              <a:buChar char="•"/>
+              <a:defRPr sz="2000" kern="1200">
+                <a:solidFill>
+                  <a:schemeClr val="tx1"/>
+                </a:solidFill>
+                <a:latin typeface="+mn-lt"/>
+                <a:ea typeface="+mn-ea"/>
+                <a:cs typeface="+mn-cs"/>
+              </a:defRPr>
+            </a:lvl8pPr>
+            <a:lvl9pPr marL="3886200" indent="-228600" algn="l" defTabSz="457200" rtl="0" eaLnBrk="1" latinLnBrk="0" hangingPunct="1">
+              <a:spcBef>
+                <a:spcPct val="20000"/>
+              </a:spcBef>
+              <a:buFont typeface="Arial"/>
+              <a:buChar char="•"/>
+              <a:defRPr sz="2000" kern="1200">
+                <a:solidFill>
+                  <a:schemeClr val="tx1"/>
+                </a:solidFill>
+                <a:latin typeface="+mn-lt"/>
+                <a:ea typeface="+mn-ea"/>
+                <a:cs typeface="+mn-cs"/>
+              </a:defRPr>
+            </a:lvl9pPr>
+          </a:lstStyle>
+          <a:p>
+            <a:pPr marL="0" indent="0" algn="ctr">
+              <a:buNone/>
+            </a:pPr>
+            <a:r>
+              <a:rPr lang="en-US" sz="2200" i="1" dirty="0" smtClean="0">
+                <a:solidFill>
+                  <a:schemeClr val="tx1">
+                    <a:lumMod val="65000"/>
+                    <a:lumOff val="35000"/>
+                  </a:schemeClr>
+                </a:solidFill>
+              </a:rPr>
+              <a:t>created by</a:t>
+            </a:r>
+          </a:p>
+          <a:p>
+            <a:pPr marL="0" indent="0" algn="ctr">
+              <a:buNone/>
+            </a:pPr>
+            <a:r>
+              <a:rPr lang="en-US" dirty="0" err="1" smtClean="0">
+                <a:solidFill>
+                  <a:schemeClr val="tx1">
+                    <a:lumMod val="65000"/>
+                    <a:lumOff val="35000"/>
+                  </a:schemeClr>
+                </a:solidFill>
+              </a:rPr>
+              <a:t>Sathish</a:t>
+            </a:r>
+            <a:r>
+              <a:rPr lang="en-US" dirty="0" smtClean="0">
+                <a:solidFill>
+                  <a:schemeClr val="tx1">
+                    <a:lumMod val="65000"/>
+                    <a:lumOff val="35000"/>
+                  </a:schemeClr>
+                </a:solidFill>
+              </a:rPr>
+              <a:t> VJ</a:t>
+            </a:r>
+            <a:endParaRPr lang="en-US" dirty="0">
+              <a:solidFill>
+                <a:schemeClr val="tx1">
+                  <a:lumMod val="65000"/>
+                  <a:lumOff val="35000"/>
+                </a:schemeClr>
+              </a:solidFill>
+            </a:endParaRPr>
+          </a:p>
+        </p:txBody>
+      </p:sp>
     </p:spTree>
     <p:extLst>
       <p:ext uri="{BB962C8B-B14F-4D97-AF65-F5344CB8AC3E}">
@@ -3236,8 +3845,8 @@
         </p:nvSpPr>
         <p:spPr>
           <a:xfrm>
-            <a:off x="457200" y="972962"/>
-            <a:ext cx="8229600" cy="4525963"/>
+            <a:off x="216839" y="960232"/>
+            <a:ext cx="8735492" cy="4599748"/>
           </a:xfrm>
         </p:spPr>
         <p:txBody>
@@ -3333,7 +3942,30 @@
             <a:pPr marL="0" indent="0" algn="ctr">
               <a:buNone/>
             </a:pPr>
-            <a:endParaRPr lang="en-US" dirty="0">
+            <a:r>
+              <a:rPr lang="en-US" dirty="0" err="1" smtClean="0">
+                <a:solidFill>
+                  <a:srgbClr val="595959"/>
+                </a:solidFill>
+              </a:rPr>
+              <a:t>AngularJS</a:t>
+            </a:r>
+            <a:r>
+              <a:rPr lang="en-US" dirty="0" smtClean="0">
+                <a:solidFill>
+                  <a:srgbClr val="595959"/>
+                </a:solidFill>
+              </a:rPr>
+              <a:t>, Ionic, HTML, CSS, JavaScript</a:t>
+            </a:r>
+            <a:br>
+              <a:rPr lang="en-US" dirty="0" smtClean="0">
+                <a:solidFill>
+                  <a:srgbClr val="595959"/>
+                </a:solidFill>
+              </a:rPr>
+            </a:br>
+            <a:endParaRPr lang="en-US" dirty="0" smtClean="0">
               <a:solidFill>
                 <a:srgbClr val="595959"/>
               </a:solidFill>
@@ -3343,11 +3975,45 @@
             <a:pPr marL="0" indent="0" algn="ctr">
               <a:buNone/>
             </a:pPr>
-            <a:endParaRPr lang="en-US" dirty="0">
-              <a:solidFill>
-                <a:srgbClr val="595959"/>
-              </a:solidFill>
-            </a:endParaRPr>
+            <a:r>
+              <a:rPr lang="en-US" dirty="0" smtClean="0">
+                <a:solidFill>
+                  <a:srgbClr val="595959"/>
+                </a:solidFill>
+              </a:rPr>
+              <a:t/>
+            </a:r>
+            <a:br>
+              <a:rPr lang="en-US" dirty="0" smtClean="0">
+                <a:solidFill>
+                  <a:srgbClr val="595959"/>
+                </a:solidFill>
+              </a:rPr>
+            </a:br>
+            <a:r>
+              <a:rPr lang="en-US" dirty="0" smtClean="0">
+                <a:solidFill>
+                  <a:srgbClr val="595959"/>
+                </a:solidFill>
+              </a:rPr>
+              <a:t>works natively on Windows Phone, Android, </a:t>
+            </a:r>
+            <a:r>
+              <a:rPr lang="en-US" dirty="0" err="1" smtClean="0">
+                <a:solidFill>
+                  <a:srgbClr val="595959"/>
+                </a:solidFill>
+              </a:rPr>
+              <a:t>iOS</a:t>
+            </a:r>
+            <a:r>
+              <a:rPr lang="en-US" dirty="0" smtClean="0">
+                <a:solidFill>
+                  <a:srgbClr val="595959"/>
+                </a:solidFill>
+              </a:rPr>
+              <a:t>, …</a:t>
+            </a:r>
           </a:p>
         </p:txBody>
       </p:sp>
@@ -3383,314 +4049,132 @@
       </p:grpSpPr>
       <p:sp>
         <p:nvSpPr>
-          <p:cNvPr id="4" name="Left Arrow 3"/>
-          <p:cNvSpPr/>
-          <p:nvPr/>
+          <p:cNvPr id="2" name="Title 1"/>
+          <p:cNvSpPr>
+            <a:spLocks noGrp="1"/>
+          </p:cNvSpPr>
+          <p:nvPr>
+            <p:ph type="title"/>
+          </p:nvPr>
+        </p:nvSpPr>
+        <p:spPr/>
+        <p:txBody>
+          <a:bodyPr/>
+          <a:lstStyle/>
+          <a:p>
+            <a:r>
+              <a:rPr lang="en-US" dirty="0" smtClean="0"/>
+              <a:t>What could be better</a:t>
+            </a:r>
+            <a:endParaRPr lang="en-US" dirty="0"/>
+          </a:p>
+        </p:txBody>
+      </p:sp>
+      <p:sp>
+        <p:nvSpPr>
+          <p:cNvPr id="3" name="Content Placeholder 2"/>
+          <p:cNvSpPr>
+            <a:spLocks noGrp="1"/>
+          </p:cNvSpPr>
+          <p:nvPr>
+            <p:ph idx="1"/>
+          </p:nvPr>
         </p:nvSpPr>
         <p:spPr>
           <a:xfrm>
-            <a:off x="6427712" y="2694802"/>
-            <a:ext cx="1788918" cy="813087"/>
-          </a:xfrm>
-          <a:prstGeom prst="leftArrow">
-            <a:avLst/>
-          </a:prstGeom>
-        </p:spPr>
-        <p:style>
-          <a:lnRef idx="1">
-            <a:schemeClr val="accent1"/>
-          </a:lnRef>
-          <a:fillRef idx="3">
-            <a:schemeClr val="accent1"/>
-          </a:fillRef>
-          <a:effectRef idx="2">
-            <a:schemeClr val="accent1"/>
-          </a:effectRef>
-          <a:fontRef idx="minor">
-            <a:schemeClr val="lt1"/>
-          </a:fontRef>
-        </p:style>
-        <p:txBody>
-          <a:bodyPr rtlCol="0" anchor="ctr"/>
-          <a:lstStyle/>
-          <a:p>
-            <a:pPr algn="ctr"/>
-            <a:endParaRPr lang="en-US"/>
-          </a:p>
-        </p:txBody>
-      </p:sp>
-      <p:sp>
-        <p:nvSpPr>
-          <p:cNvPr id="5" name="Left Arrow 4"/>
-          <p:cNvSpPr/>
-          <p:nvPr/>
-        </p:nvSpPr>
-        <p:spPr>
-          <a:xfrm flipH="1">
-            <a:off x="864868" y="2694802"/>
-            <a:ext cx="1667495" cy="813087"/>
-          </a:xfrm>
-          <a:prstGeom prst="leftArrow">
-            <a:avLst/>
-          </a:prstGeom>
-        </p:spPr>
-        <p:style>
-          <a:lnRef idx="1">
-            <a:schemeClr val="accent1"/>
-          </a:lnRef>
-          <a:fillRef idx="3">
-            <a:schemeClr val="accent1"/>
-          </a:fillRef>
-          <a:effectRef idx="2">
-            <a:schemeClr val="accent1"/>
-          </a:effectRef>
-          <a:fontRef idx="minor">
-            <a:schemeClr val="lt1"/>
-          </a:fontRef>
-        </p:style>
-        <p:txBody>
-          <a:bodyPr rtlCol="0" anchor="ctr"/>
-          <a:lstStyle/>
-          <a:p>
-            <a:pPr algn="ctr"/>
-            <a:endParaRPr lang="en-US"/>
-          </a:p>
-        </p:txBody>
-      </p:sp>
-      <p:sp>
-        <p:nvSpPr>
-          <p:cNvPr id="6" name="Left Arrow 5"/>
-          <p:cNvSpPr/>
-          <p:nvPr/>
-        </p:nvSpPr>
-        <p:spPr>
-          <a:xfrm rot="5400000" flipH="1">
-            <a:off x="3681283" y="934513"/>
-            <a:ext cx="1667495" cy="813087"/>
-          </a:xfrm>
-          <a:prstGeom prst="leftArrow">
-            <a:avLst/>
-          </a:prstGeom>
-        </p:spPr>
-        <p:style>
-          <a:lnRef idx="1">
-            <a:schemeClr val="accent1"/>
-          </a:lnRef>
-          <a:fillRef idx="3">
-            <a:schemeClr val="accent1"/>
-          </a:fillRef>
-          <a:effectRef idx="2">
-            <a:schemeClr val="accent1"/>
-          </a:effectRef>
-          <a:fontRef idx="minor">
-            <a:schemeClr val="lt1"/>
-          </a:fontRef>
-        </p:style>
-        <p:txBody>
-          <a:bodyPr rtlCol="0" anchor="ctr"/>
-          <a:lstStyle/>
-          <a:p>
-            <a:pPr algn="ctr"/>
-            <a:endParaRPr lang="en-US"/>
-          </a:p>
-        </p:txBody>
-      </p:sp>
-      <p:sp>
-        <p:nvSpPr>
-          <p:cNvPr id="7" name="TextBox 6"/>
-          <p:cNvSpPr txBox="1"/>
-          <p:nvPr/>
-        </p:nvSpPr>
-        <p:spPr>
-          <a:xfrm>
-            <a:off x="3477159" y="4615236"/>
-            <a:ext cx="2526652" cy="923330"/>
-          </a:xfrm>
-          <a:prstGeom prst="rect">
-            <a:avLst/>
-          </a:prstGeom>
-          <a:noFill/>
-        </p:spPr>
-        <p:txBody>
-          <a:bodyPr wrap="none" rtlCol="0">
-            <a:spAutoFit/>
+            <a:off x="457200" y="1600201"/>
+            <a:ext cx="8229600" cy="3100216"/>
+          </a:xfrm>
+        </p:spPr>
+        <p:txBody>
+          <a:bodyPr vert="horz" lIns="91440" tIns="45720" rIns="91440" bIns="45720" rtlCol="0">
+            <a:normAutofit/>
           </a:bodyPr>
           <a:lstStyle/>
           <a:p>
             <a:r>
-              <a:rPr lang="en-US" sz="5400" b="1" dirty="0" smtClean="0">
-                <a:solidFill>
-                  <a:schemeClr val="tx1">
-                    <a:lumMod val="65000"/>
-                    <a:lumOff val="35000"/>
-                  </a:schemeClr>
-                </a:solidFill>
-                <a:latin typeface="Alegreya Sans Light"/>
-                <a:cs typeface="Alegreya Sans Light"/>
+              <a:rPr lang="en-US" dirty="0">
+                <a:solidFill>
+                  <a:srgbClr val="595959"/>
+                </a:solidFill>
               </a:rPr>
-              <a:t>Limitless</a:t>
-            </a:r>
-            <a:endParaRPr lang="en-US" sz="5400" b="1" dirty="0">
-              <a:solidFill>
-                <a:schemeClr val="tx1">
-                  <a:lumMod val="65000"/>
-                  <a:lumOff val="35000"/>
-                </a:schemeClr>
-              </a:solidFill>
-              <a:latin typeface="Alegreya Sans Light"/>
-              <a:cs typeface="Alegreya Sans Light"/>
-            </a:endParaRPr>
-          </a:p>
-        </p:txBody>
-      </p:sp>
-      <p:sp>
-        <p:nvSpPr>
-          <p:cNvPr id="8" name="TextBox 7"/>
-          <p:cNvSpPr txBox="1"/>
-          <p:nvPr/>
-        </p:nvSpPr>
-        <p:spPr>
-          <a:xfrm>
-            <a:off x="659660" y="3507889"/>
-            <a:ext cx="2683362" cy="584776"/>
-          </a:xfrm>
-          <a:prstGeom prst="rect">
-            <a:avLst/>
-          </a:prstGeom>
-          <a:noFill/>
-        </p:spPr>
-        <p:txBody>
-          <a:bodyPr wrap="none" rtlCol="0">
-            <a:spAutoFit/>
-          </a:bodyPr>
-          <a:lstStyle/>
-          <a:p>
-            <a:r>
-              <a:rPr lang="en-US" sz="3200" dirty="0" smtClean="0">
-                <a:solidFill>
-                  <a:schemeClr val="tx1">
-                    <a:lumMod val="65000"/>
-                    <a:lumOff val="35000"/>
-                  </a:schemeClr>
-                </a:solidFill>
-                <a:latin typeface="Alegreya Sans Light"/>
-                <a:cs typeface="Alegreya Sans Light"/>
+              <a:t>Data has gone from non-availability to </a:t>
+            </a:r>
+            <a:r>
+              <a:rPr lang="en-US" dirty="0" smtClean="0">
+                <a:solidFill>
+                  <a:srgbClr val="595959"/>
+                </a:solidFill>
               </a:rPr>
-              <a:t>Comprehension</a:t>
-            </a:r>
-            <a:endParaRPr lang="en-US" sz="3200" dirty="0">
-              <a:solidFill>
-                <a:schemeClr val="tx1">
-                  <a:lumMod val="65000"/>
-                  <a:lumOff val="35000"/>
-                </a:schemeClr>
-              </a:solidFill>
-              <a:latin typeface="Alegreya Sans Light"/>
-              <a:cs typeface="Alegreya Sans Light"/>
-            </a:endParaRPr>
-          </a:p>
-        </p:txBody>
-      </p:sp>
-      <p:sp>
-        <p:nvSpPr>
-          <p:cNvPr id="9" name="TextBox 8"/>
-          <p:cNvSpPr txBox="1"/>
-          <p:nvPr/>
-        </p:nvSpPr>
-        <p:spPr>
-          <a:xfrm>
-            <a:off x="6862761" y="3430452"/>
-            <a:ext cx="1154358" cy="584776"/>
-          </a:xfrm>
-          <a:prstGeom prst="rect">
-            <a:avLst/>
-          </a:prstGeom>
-          <a:noFill/>
-        </p:spPr>
-        <p:txBody>
-          <a:bodyPr wrap="none" rtlCol="0">
-            <a:spAutoFit/>
-          </a:bodyPr>
-          <a:lstStyle/>
-          <a:p>
-            <a:r>
-              <a:rPr lang="en-US" sz="3200" dirty="0" smtClean="0">
-                <a:solidFill>
-                  <a:schemeClr val="tx1">
-                    <a:lumMod val="65000"/>
-                    <a:lumOff val="35000"/>
-                  </a:schemeClr>
-                </a:solidFill>
-                <a:latin typeface="Alegreya Sans Light"/>
-                <a:cs typeface="Alegreya Sans Light"/>
+              <a:t>abundance </a:t>
+            </a:r>
+            <a:r>
+              <a:rPr lang="en-US" dirty="0">
+                <a:solidFill>
+                  <a:srgbClr val="595959"/>
+                </a:solidFill>
               </a:rPr>
-              <a:t>Speed</a:t>
-            </a:r>
-            <a:endParaRPr lang="en-US" sz="3200" dirty="0">
-              <a:solidFill>
-                <a:schemeClr val="tx1">
-                  <a:lumMod val="65000"/>
-                  <a:lumOff val="35000"/>
-                </a:schemeClr>
-              </a:solidFill>
-              <a:latin typeface="Alegreya Sans Light"/>
-              <a:cs typeface="Alegreya Sans Light"/>
-            </a:endParaRPr>
-          </a:p>
-        </p:txBody>
-      </p:sp>
-      <p:sp>
-        <p:nvSpPr>
-          <p:cNvPr id="10" name="TextBox 9"/>
-          <p:cNvSpPr txBox="1"/>
-          <p:nvPr/>
-        </p:nvSpPr>
-        <p:spPr>
-          <a:xfrm>
-            <a:off x="3878034" y="2189120"/>
-            <a:ext cx="1401808" cy="584776"/>
-          </a:xfrm>
-          <a:prstGeom prst="rect">
-            <a:avLst/>
-          </a:prstGeom>
-          <a:noFill/>
-        </p:spPr>
-        <p:txBody>
-          <a:bodyPr wrap="none" rtlCol="0">
-            <a:spAutoFit/>
-          </a:bodyPr>
-          <a:lstStyle/>
-          <a:p>
-            <a:r>
-              <a:rPr lang="en-US" sz="3200" dirty="0" smtClean="0">
-                <a:solidFill>
-                  <a:schemeClr val="tx1">
-                    <a:lumMod val="65000"/>
-                    <a:lumOff val="35000"/>
-                  </a:schemeClr>
-                </a:solidFill>
-                <a:latin typeface="Alegreya Sans Light"/>
-                <a:cs typeface="Alegreya Sans Light"/>
+              <a:t>… social networks, devices, etc.</a:t>
+            </a:r>
+          </a:p>
+          <a:p>
+            <a:r>
+              <a:rPr lang="en-US" dirty="0">
+                <a:solidFill>
+                  <a:srgbClr val="595959"/>
+                </a:solidFill>
               </a:rPr>
-              <a:t>Volume</a:t>
-            </a:r>
-            <a:endParaRPr lang="en-US" sz="3200" dirty="0">
-              <a:solidFill>
-                <a:schemeClr val="tx1">
-                  <a:lumMod val="65000"/>
-                  <a:lumOff val="35000"/>
-                </a:schemeClr>
-              </a:solidFill>
-              <a:latin typeface="Alegreya Sans Light"/>
-              <a:cs typeface="Alegreya Sans Light"/>
-            </a:endParaRPr>
+              <a:t>Abundant unmanageable data has been qualified and filtered … </a:t>
+            </a:r>
+            <a:r>
+              <a:rPr lang="en-US" dirty="0" err="1">
+                <a:solidFill>
+                  <a:srgbClr val="595959"/>
+                </a:solidFill>
+              </a:rPr>
+              <a:t>Frrole</a:t>
+            </a:r>
+            <a:r>
+              <a:rPr lang="en-US" dirty="0">
+                <a:solidFill>
+                  <a:srgbClr val="595959"/>
+                </a:solidFill>
+              </a:rPr>
+              <a:t> and similar APIs</a:t>
+            </a:r>
+          </a:p>
+          <a:p>
+            <a:r>
+              <a:rPr lang="en-US" dirty="0">
+                <a:solidFill>
+                  <a:srgbClr val="595959"/>
+                </a:solidFill>
+              </a:rPr>
+              <a:t>Next milestone?  </a:t>
+            </a:r>
+            <a:r>
+              <a:rPr lang="en-US" b="1" u="sng" dirty="0">
+                <a:solidFill>
+                  <a:srgbClr val="595959"/>
+                </a:solidFill>
+              </a:rPr>
+              <a:t>Improve comprehension</a:t>
+            </a:r>
+            <a:r>
+              <a:rPr lang="en-US" dirty="0">
+                <a:solidFill>
+                  <a:srgbClr val="595959"/>
+                </a:solidFill>
+              </a:rPr>
+              <a:t>.</a:t>
+            </a:r>
           </a:p>
         </p:txBody>
       </p:sp>
     </p:spTree>
     <p:extLst>
       <p:ext uri="{BB962C8B-B14F-4D97-AF65-F5344CB8AC3E}">
-        <p14:creationId xmlns:p14="http://schemas.microsoft.com/office/powerpoint/2010/main" val="3110217455"/>
+        <p14:creationId xmlns:p14="http://schemas.microsoft.com/office/powerpoint/2010/main" val="1361775289"/>
       </p:ext>
     </p:extLst>
   </p:cSld>
@@ -3729,16 +4213,321 @@
         </p:nvSpPr>
         <p:spPr/>
         <p:txBody>
-          <a:bodyPr/>
-          <a:lstStyle/>
-          <a:p>
-            <a:endParaRPr lang="en-US"/>
-          </a:p>
-        </p:txBody>
-      </p:sp>
-      <p:sp>
-        <p:nvSpPr>
-          <p:cNvPr id="3" name="Content Placeholder 2"/>
+          <a:bodyPr>
+            <a:normAutofit/>
+          </a:bodyPr>
+          <a:lstStyle/>
+          <a:p>
+            <a:r>
+              <a:rPr lang="en-US" dirty="0" smtClean="0"/>
+              <a:t>Speed Reading</a:t>
+            </a:r>
+            <a:endParaRPr lang="en-US" dirty="0"/>
+          </a:p>
+        </p:txBody>
+      </p:sp>
+      <p:pic>
+        <p:nvPicPr>
+          <p:cNvPr id="6" name="Picture 5"/>
+          <p:cNvPicPr>
+            <a:picLocks noChangeAspect="1"/>
+          </p:cNvPicPr>
+          <p:nvPr/>
+        </p:nvPicPr>
+        <p:blipFill>
+          <a:blip r:embed="rId2"/>
+          <a:stretch>
+            <a:fillRect/>
+          </a:stretch>
+        </p:blipFill>
+        <p:spPr>
+          <a:xfrm>
+            <a:off x="663810" y="1582831"/>
+            <a:ext cx="1922763" cy="1668012"/>
+          </a:xfrm>
+          <a:prstGeom prst="rect">
+            <a:avLst/>
+          </a:prstGeom>
+        </p:spPr>
+      </p:pic>
+      <p:pic>
+        <p:nvPicPr>
+          <p:cNvPr id="7" name="Picture 6"/>
+          <p:cNvPicPr>
+            <a:picLocks noChangeAspect="1"/>
+          </p:cNvPicPr>
+          <p:nvPr/>
+        </p:nvPicPr>
+        <p:blipFill>
+          <a:blip r:embed="rId3"/>
+          <a:stretch>
+            <a:fillRect/>
+          </a:stretch>
+        </p:blipFill>
+        <p:spPr>
+          <a:xfrm>
+            <a:off x="3282561" y="1569567"/>
+            <a:ext cx="2290502" cy="1681276"/>
+          </a:xfrm>
+          <a:prstGeom prst="rect">
+            <a:avLst/>
+          </a:prstGeom>
+        </p:spPr>
+      </p:pic>
+      <p:pic>
+        <p:nvPicPr>
+          <p:cNvPr id="8" name="Picture 7"/>
+          <p:cNvPicPr>
+            <a:picLocks noChangeAspect="1"/>
+          </p:cNvPicPr>
+          <p:nvPr/>
+        </p:nvPicPr>
+        <p:blipFill rotWithShape="1">
+          <a:blip r:embed="rId4"/>
+          <a:srcRect l="16946" r="18885"/>
+          <a:stretch/>
+        </p:blipFill>
+        <p:spPr>
+          <a:xfrm>
+            <a:off x="6095265" y="1582831"/>
+            <a:ext cx="2245271" cy="1749494"/>
+          </a:xfrm>
+          <a:prstGeom prst="rect">
+            <a:avLst/>
+          </a:prstGeom>
+        </p:spPr>
+      </p:pic>
+      <p:sp>
+        <p:nvSpPr>
+          <p:cNvPr id="9" name="TextBox 8"/>
+          <p:cNvSpPr txBox="1"/>
+          <p:nvPr/>
+        </p:nvSpPr>
+        <p:spPr>
+          <a:xfrm>
+            <a:off x="743446" y="3332325"/>
+            <a:ext cx="1505540" cy="553998"/>
+          </a:xfrm>
+          <a:prstGeom prst="rect">
+            <a:avLst/>
+          </a:prstGeom>
+          <a:noFill/>
+        </p:spPr>
+        <p:txBody>
+          <a:bodyPr wrap="none" rtlCol="0">
+            <a:spAutoFit/>
+          </a:bodyPr>
+          <a:lstStyle/>
+          <a:p>
+            <a:r>
+              <a:rPr lang="en-US" sz="3000" b="1" dirty="0" smtClean="0">
+                <a:solidFill>
+                  <a:schemeClr val="tx1">
+                    <a:lumMod val="65000"/>
+                    <a:lumOff val="35000"/>
+                  </a:schemeClr>
+                </a:solidFill>
+                <a:latin typeface="Alegreya Sans Light"/>
+                <a:cs typeface="Alegreya Sans Light"/>
+              </a:rPr>
+              <a:t>Too Slow</a:t>
+            </a:r>
+            <a:endParaRPr lang="en-US" sz="3000" b="1" dirty="0">
+              <a:solidFill>
+                <a:schemeClr val="tx1">
+                  <a:lumMod val="65000"/>
+                  <a:lumOff val="35000"/>
+                </a:schemeClr>
+              </a:solidFill>
+              <a:latin typeface="Alegreya Sans Light"/>
+              <a:cs typeface="Alegreya Sans Light"/>
+            </a:endParaRPr>
+          </a:p>
+        </p:txBody>
+      </p:sp>
+      <p:sp>
+        <p:nvSpPr>
+          <p:cNvPr id="12" name="TextBox 11"/>
+          <p:cNvSpPr txBox="1"/>
+          <p:nvPr/>
+        </p:nvSpPr>
+        <p:spPr>
+          <a:xfrm>
+            <a:off x="6340040" y="3399544"/>
+            <a:ext cx="1377300" cy="553998"/>
+          </a:xfrm>
+          <a:prstGeom prst="rect">
+            <a:avLst/>
+          </a:prstGeom>
+          <a:noFill/>
+        </p:spPr>
+        <p:txBody>
+          <a:bodyPr wrap="none" rtlCol="0">
+            <a:spAutoFit/>
+          </a:bodyPr>
+          <a:lstStyle/>
+          <a:p>
+            <a:r>
+              <a:rPr lang="en-US" sz="3000" b="1" dirty="0" smtClean="0">
+                <a:solidFill>
+                  <a:schemeClr val="tx1">
+                    <a:lumMod val="65000"/>
+                    <a:lumOff val="35000"/>
+                  </a:schemeClr>
+                </a:solidFill>
+                <a:latin typeface="Alegreya Sans Light"/>
+                <a:cs typeface="Alegreya Sans Light"/>
+              </a:rPr>
+              <a:t>Too Fast</a:t>
+            </a:r>
+            <a:endParaRPr lang="en-US" sz="3000" b="1" dirty="0">
+              <a:solidFill>
+                <a:schemeClr val="tx1">
+                  <a:lumMod val="65000"/>
+                  <a:lumOff val="35000"/>
+                </a:schemeClr>
+              </a:solidFill>
+              <a:latin typeface="Alegreya Sans Light"/>
+              <a:cs typeface="Alegreya Sans Light"/>
+            </a:endParaRPr>
+          </a:p>
+        </p:txBody>
+      </p:sp>
+      <p:sp>
+        <p:nvSpPr>
+          <p:cNvPr id="13" name="TextBox 12"/>
+          <p:cNvSpPr txBox="1"/>
+          <p:nvPr/>
+        </p:nvSpPr>
+        <p:spPr>
+          <a:xfrm>
+            <a:off x="3676025" y="3324648"/>
+            <a:ext cx="1967205" cy="553998"/>
+          </a:xfrm>
+          <a:prstGeom prst="rect">
+            <a:avLst/>
+          </a:prstGeom>
+          <a:noFill/>
+        </p:spPr>
+        <p:txBody>
+          <a:bodyPr wrap="none" rtlCol="0">
+            <a:spAutoFit/>
+          </a:bodyPr>
+          <a:lstStyle/>
+          <a:p>
+            <a:r>
+              <a:rPr lang="en-US" sz="3000" b="1" dirty="0" smtClean="0">
+                <a:solidFill>
+                  <a:schemeClr val="tx1">
+                    <a:lumMod val="65000"/>
+                    <a:lumOff val="35000"/>
+                  </a:schemeClr>
+                </a:solidFill>
+                <a:latin typeface="Alegreya Sans Light"/>
+                <a:cs typeface="Alegreya Sans Light"/>
+              </a:rPr>
+              <a:t>Right Speed</a:t>
+            </a:r>
+            <a:endParaRPr lang="en-US" sz="3000" b="1" dirty="0">
+              <a:solidFill>
+                <a:schemeClr val="tx1">
+                  <a:lumMod val="65000"/>
+                  <a:lumOff val="35000"/>
+                </a:schemeClr>
+              </a:solidFill>
+              <a:latin typeface="Alegreya Sans Light"/>
+              <a:cs typeface="Alegreya Sans Light"/>
+            </a:endParaRPr>
+          </a:p>
+        </p:txBody>
+      </p:sp>
+      <p:sp>
+        <p:nvSpPr>
+          <p:cNvPr id="14" name="TextBox 13"/>
+          <p:cNvSpPr txBox="1"/>
+          <p:nvPr/>
+        </p:nvSpPr>
+        <p:spPr>
+          <a:xfrm>
+            <a:off x="895846" y="3953542"/>
+            <a:ext cx="1569660" cy="553998"/>
+          </a:xfrm>
+          <a:prstGeom prst="rect">
+            <a:avLst/>
+          </a:prstGeom>
+          <a:noFill/>
+        </p:spPr>
+        <p:txBody>
+          <a:bodyPr wrap="none" rtlCol="0">
+            <a:spAutoFit/>
+          </a:bodyPr>
+          <a:lstStyle/>
+          <a:p>
+            <a:r>
+              <a:rPr lang="en-US" sz="3000" b="1" dirty="0" smtClean="0">
+                <a:solidFill>
+                  <a:srgbClr val="FF6600"/>
+                </a:solidFill>
+                <a:latin typeface="Alegreya Sans Light"/>
+                <a:cs typeface="Alegreya Sans Light"/>
+              </a:rPr>
+              <a:t>Unsteady</a:t>
+            </a:r>
+            <a:endParaRPr lang="en-US" sz="3000" b="1" dirty="0">
+              <a:solidFill>
+                <a:srgbClr val="FF6600"/>
+              </a:solidFill>
+              <a:latin typeface="Alegreya Sans Light"/>
+              <a:cs typeface="Alegreya Sans Light"/>
+            </a:endParaRPr>
+          </a:p>
+        </p:txBody>
+      </p:sp>
+      <p:sp>
+        <p:nvSpPr>
+          <p:cNvPr id="15" name="TextBox 14"/>
+          <p:cNvSpPr txBox="1"/>
+          <p:nvPr/>
+        </p:nvSpPr>
+        <p:spPr>
+          <a:xfrm>
+            <a:off x="6340040" y="3953542"/>
+            <a:ext cx="1569660" cy="553998"/>
+          </a:xfrm>
+          <a:prstGeom prst="rect">
+            <a:avLst/>
+          </a:prstGeom>
+          <a:noFill/>
+        </p:spPr>
+        <p:txBody>
+          <a:bodyPr wrap="none" rtlCol="0">
+            <a:spAutoFit/>
+          </a:bodyPr>
+          <a:lstStyle/>
+          <a:p>
+            <a:r>
+              <a:rPr lang="en-US" sz="3000" b="1" dirty="0" smtClean="0">
+                <a:solidFill>
+                  <a:srgbClr val="FF6600"/>
+                </a:solidFill>
+                <a:latin typeface="Alegreya Sans Light"/>
+                <a:cs typeface="Alegreya Sans Light"/>
+              </a:rPr>
+              <a:t>Unsteady</a:t>
+            </a:r>
+            <a:endParaRPr lang="en-US" sz="3000" b="1" dirty="0">
+              <a:solidFill>
+                <a:srgbClr val="FF6600"/>
+              </a:solidFill>
+              <a:latin typeface="Alegreya Sans Light"/>
+              <a:cs typeface="Alegreya Sans Light"/>
+            </a:endParaRPr>
+          </a:p>
+        </p:txBody>
+      </p:sp>
+      <p:sp>
+        <p:nvSpPr>
+          <p:cNvPr id="17" name="Content Placeholder 2"/>
           <p:cNvSpPr>
             <a:spLocks noGrp="1"/>
           </p:cNvSpPr>
@@ -3746,19 +4535,1075 @@
             <p:ph idx="1"/>
           </p:nvPr>
         </p:nvSpPr>
-        <p:spPr/>
-        <p:txBody>
-          <a:bodyPr/>
-          <a:lstStyle/>
-          <a:p>
-            <a:endParaRPr lang="en-US"/>
+        <p:spPr>
+          <a:xfrm>
+            <a:off x="302025" y="4708160"/>
+            <a:ext cx="8572863" cy="1966895"/>
+          </a:xfrm>
+        </p:spPr>
+        <p:txBody>
+          <a:bodyPr vert="horz" lIns="91440" tIns="45720" rIns="91440" bIns="45720" rtlCol="0">
+            <a:normAutofit/>
+          </a:bodyPr>
+          <a:lstStyle/>
+          <a:p>
+            <a:r>
+              <a:rPr lang="en-US" dirty="0" smtClean="0">
+                <a:solidFill>
+                  <a:srgbClr val="595959"/>
+                </a:solidFill>
+              </a:rPr>
+              <a:t>Our brains can actually read much faster and with greater comprehension than we typically tend to do</a:t>
+            </a:r>
           </a:p>
         </p:txBody>
       </p:sp>
     </p:spTree>
     <p:extLst>
       <p:ext uri="{BB962C8B-B14F-4D97-AF65-F5344CB8AC3E}">
-        <p14:creationId xmlns:p14="http://schemas.microsoft.com/office/powerpoint/2010/main" val="1361775289"/>
+        <p14:creationId xmlns:p14="http://schemas.microsoft.com/office/powerpoint/2010/main" val="350185236"/>
+      </p:ext>
+    </p:extLst>
+  </p:cSld>
+  <p:clrMapOvr>
+    <a:masterClrMapping/>
+  </p:clrMapOvr>
+</p:sld>
+</file>
+
+<file path=ppt/slides/slide5.xml><?xml version="1.0" encoding="utf-8"?>
+<p:sld xmlns:a="http://schemas.openxmlformats.org/drawingml/2006/main" xmlns:r="http://schemas.openxmlformats.org/officeDocument/2006/relationships" xmlns:p="http://schemas.openxmlformats.org/presentationml/2006/main">
+  <p:cSld>
+    <p:spTree>
+      <p:nvGrpSpPr>
+        <p:cNvPr id="1" name=""/>
+        <p:cNvGrpSpPr/>
+        <p:nvPr/>
+      </p:nvGrpSpPr>
+      <p:grpSpPr>
+        <a:xfrm>
+          <a:off x="0" y="0"/>
+          <a:ext cx="0" cy="0"/>
+          <a:chOff x="0" y="0"/>
+          <a:chExt cx="0" cy="0"/>
+        </a:xfrm>
+      </p:grpSpPr>
+      <p:sp>
+        <p:nvSpPr>
+          <p:cNvPr id="2" name="Title 1"/>
+          <p:cNvSpPr>
+            <a:spLocks noGrp="1"/>
+          </p:cNvSpPr>
+          <p:nvPr>
+            <p:ph type="title"/>
+          </p:nvPr>
+        </p:nvSpPr>
+        <p:spPr/>
+        <p:txBody>
+          <a:bodyPr/>
+          <a:lstStyle/>
+          <a:p>
+            <a:r>
+              <a:rPr lang="en-US" dirty="0" smtClean="0"/>
+              <a:t>Multi-input Imagery</a:t>
+            </a:r>
+            <a:endParaRPr lang="en-US" dirty="0"/>
+          </a:p>
+        </p:txBody>
+      </p:sp>
+      <p:sp>
+        <p:nvSpPr>
+          <p:cNvPr id="3" name="Content Placeholder 2"/>
+          <p:cNvSpPr>
+            <a:spLocks noGrp="1"/>
+          </p:cNvSpPr>
+          <p:nvPr>
+            <p:ph idx="1"/>
+          </p:nvPr>
+        </p:nvSpPr>
+        <p:spPr>
+          <a:xfrm>
+            <a:off x="457200" y="1600201"/>
+            <a:ext cx="8229600" cy="1381118"/>
+          </a:xfrm>
+        </p:spPr>
+        <p:txBody>
+          <a:bodyPr vert="horz" lIns="91440" tIns="45720" rIns="91440" bIns="45720" rtlCol="0">
+            <a:normAutofit/>
+          </a:bodyPr>
+          <a:lstStyle/>
+          <a:p>
+            <a:r>
+              <a:rPr lang="en-US" dirty="0" smtClean="0">
+                <a:solidFill>
+                  <a:srgbClr val="595959"/>
+                </a:solidFill>
+              </a:rPr>
+              <a:t>Our ability to read text can be enhanced through alternate inputs also</a:t>
+            </a:r>
+            <a:endParaRPr lang="en-US" dirty="0">
+              <a:solidFill>
+                <a:srgbClr val="595959"/>
+              </a:solidFill>
+            </a:endParaRPr>
+          </a:p>
+        </p:txBody>
+      </p:sp>
+      <p:pic>
+        <p:nvPicPr>
+          <p:cNvPr id="6" name="Picture 5"/>
+          <p:cNvPicPr>
+            <a:picLocks noChangeAspect="1"/>
+          </p:cNvPicPr>
+          <p:nvPr/>
+        </p:nvPicPr>
+        <p:blipFill>
+          <a:blip r:embed="rId2"/>
+          <a:stretch>
+            <a:fillRect/>
+          </a:stretch>
+        </p:blipFill>
+        <p:spPr>
+          <a:xfrm>
+            <a:off x="1417484" y="3995741"/>
+            <a:ext cx="5936641" cy="1397394"/>
+          </a:xfrm>
+          <a:prstGeom prst="rect">
+            <a:avLst/>
+          </a:prstGeom>
+        </p:spPr>
+      </p:pic>
+      <p:pic>
+        <p:nvPicPr>
+          <p:cNvPr id="11" name="Picture 10"/>
+          <p:cNvPicPr>
+            <a:picLocks noChangeAspect="1"/>
+          </p:cNvPicPr>
+          <p:nvPr/>
+        </p:nvPicPr>
+        <p:blipFill>
+          <a:blip r:embed="rId3"/>
+          <a:stretch>
+            <a:fillRect/>
+          </a:stretch>
+        </p:blipFill>
+        <p:spPr>
+          <a:xfrm>
+            <a:off x="5118936" y="5738021"/>
+            <a:ext cx="801984" cy="769905"/>
+          </a:xfrm>
+          <a:prstGeom prst="rect">
+            <a:avLst/>
+          </a:prstGeom>
+        </p:spPr>
+      </p:pic>
+      <p:pic>
+        <p:nvPicPr>
+          <p:cNvPr id="12" name="Picture 11"/>
+          <p:cNvPicPr>
+            <a:picLocks noChangeAspect="1"/>
+          </p:cNvPicPr>
+          <p:nvPr/>
+        </p:nvPicPr>
+        <p:blipFill>
+          <a:blip r:embed="rId4"/>
+          <a:stretch>
+            <a:fillRect/>
+          </a:stretch>
+        </p:blipFill>
+        <p:spPr>
+          <a:xfrm>
+            <a:off x="2248865" y="3221373"/>
+            <a:ext cx="638744" cy="668592"/>
+          </a:xfrm>
+          <a:prstGeom prst="rect">
+            <a:avLst/>
+          </a:prstGeom>
+        </p:spPr>
+      </p:pic>
+      <p:pic>
+        <p:nvPicPr>
+          <p:cNvPr id="13" name="Picture 12"/>
+          <p:cNvPicPr>
+            <a:picLocks noChangeAspect="1"/>
+          </p:cNvPicPr>
+          <p:nvPr/>
+        </p:nvPicPr>
+        <p:blipFill>
+          <a:blip r:embed="rId5"/>
+          <a:stretch>
+            <a:fillRect/>
+          </a:stretch>
+        </p:blipFill>
+        <p:spPr>
+          <a:xfrm>
+            <a:off x="4200384" y="3136192"/>
+            <a:ext cx="678481" cy="695443"/>
+          </a:xfrm>
+          <a:prstGeom prst="rect">
+            <a:avLst/>
+          </a:prstGeom>
+        </p:spPr>
+      </p:pic>
+      <p:pic>
+        <p:nvPicPr>
+          <p:cNvPr id="14" name="Picture 13"/>
+          <p:cNvPicPr>
+            <a:picLocks noChangeAspect="1"/>
+          </p:cNvPicPr>
+          <p:nvPr/>
+        </p:nvPicPr>
+        <p:blipFill>
+          <a:blip r:embed="rId6"/>
+          <a:stretch>
+            <a:fillRect/>
+          </a:stretch>
+        </p:blipFill>
+        <p:spPr>
+          <a:xfrm>
+            <a:off x="5920920" y="3136192"/>
+            <a:ext cx="734811" cy="593360"/>
+          </a:xfrm>
+          <a:prstGeom prst="rect">
+            <a:avLst/>
+          </a:prstGeom>
+        </p:spPr>
+      </p:pic>
+      <p:pic>
+        <p:nvPicPr>
+          <p:cNvPr id="15" name="Picture 14"/>
+          <p:cNvPicPr>
+            <a:picLocks noChangeAspect="1"/>
+          </p:cNvPicPr>
+          <p:nvPr/>
+        </p:nvPicPr>
+        <p:blipFill>
+          <a:blip r:embed="rId7"/>
+          <a:stretch>
+            <a:fillRect/>
+          </a:stretch>
+        </p:blipFill>
+        <p:spPr>
+          <a:xfrm>
+            <a:off x="3003040" y="5745812"/>
+            <a:ext cx="684938" cy="762114"/>
+          </a:xfrm>
+          <a:prstGeom prst="rect">
+            <a:avLst/>
+          </a:prstGeom>
+        </p:spPr>
+      </p:pic>
+      <p:cxnSp>
+        <p:nvCxnSpPr>
+          <p:cNvPr id="21" name="Curved Connector 20"/>
+          <p:cNvCxnSpPr/>
+          <p:nvPr/>
+        </p:nvCxnSpPr>
+        <p:spPr>
+          <a:xfrm>
+            <a:off x="4933075" y="3569836"/>
+            <a:ext cx="890586" cy="758883"/>
+          </a:xfrm>
+          <a:prstGeom prst="curvedConnector3">
+            <a:avLst/>
+          </a:prstGeom>
+          <a:ln>
+            <a:tailEnd type="arrow"/>
+          </a:ln>
+        </p:spPr>
+        <p:style>
+          <a:lnRef idx="2">
+            <a:schemeClr val="accent1"/>
+          </a:lnRef>
+          <a:fillRef idx="0">
+            <a:schemeClr val="accent1"/>
+          </a:fillRef>
+          <a:effectRef idx="1">
+            <a:schemeClr val="accent1"/>
+          </a:effectRef>
+          <a:fontRef idx="minor">
+            <a:schemeClr val="tx1"/>
+          </a:fontRef>
+        </p:style>
+      </p:cxnSp>
+      <p:cxnSp>
+        <p:nvCxnSpPr>
+          <p:cNvPr id="23" name="Curved Connector 22"/>
+          <p:cNvCxnSpPr/>
+          <p:nvPr/>
+        </p:nvCxnSpPr>
+        <p:spPr>
+          <a:xfrm rot="16200000" flipH="1">
+            <a:off x="6462585" y="3751797"/>
+            <a:ext cx="704675" cy="449165"/>
+          </a:xfrm>
+          <a:prstGeom prst="curvedConnector3">
+            <a:avLst/>
+          </a:prstGeom>
+          <a:ln>
+            <a:tailEnd type="arrow"/>
+          </a:ln>
+        </p:spPr>
+        <p:style>
+          <a:lnRef idx="2">
+            <a:schemeClr val="accent1"/>
+          </a:lnRef>
+          <a:fillRef idx="0">
+            <a:schemeClr val="accent1"/>
+          </a:fillRef>
+          <a:effectRef idx="1">
+            <a:schemeClr val="accent1"/>
+          </a:effectRef>
+          <a:fontRef idx="minor">
+            <a:schemeClr val="tx1"/>
+          </a:fontRef>
+        </p:style>
+      </p:cxnSp>
+      <p:cxnSp>
+        <p:nvCxnSpPr>
+          <p:cNvPr id="25" name="Curved Connector 24"/>
+          <p:cNvCxnSpPr/>
+          <p:nvPr/>
+        </p:nvCxnSpPr>
+        <p:spPr>
+          <a:xfrm rot="16200000" flipV="1">
+            <a:off x="4669802" y="4863010"/>
+            <a:ext cx="875037" cy="689236"/>
+          </a:xfrm>
+          <a:prstGeom prst="curvedConnector3">
+            <a:avLst/>
+          </a:prstGeom>
+          <a:ln>
+            <a:tailEnd type="arrow"/>
+          </a:ln>
+        </p:spPr>
+        <p:style>
+          <a:lnRef idx="2">
+            <a:schemeClr val="accent1"/>
+          </a:lnRef>
+          <a:fillRef idx="0">
+            <a:schemeClr val="accent1"/>
+          </a:fillRef>
+          <a:effectRef idx="1">
+            <a:schemeClr val="accent1"/>
+          </a:effectRef>
+          <a:fontRef idx="minor">
+            <a:schemeClr val="tx1"/>
+          </a:fontRef>
+        </p:style>
+      </p:cxnSp>
+      <p:cxnSp>
+        <p:nvCxnSpPr>
+          <p:cNvPr id="27" name="Curved Connector 26"/>
+          <p:cNvCxnSpPr/>
+          <p:nvPr/>
+        </p:nvCxnSpPr>
+        <p:spPr>
+          <a:xfrm rot="16200000" flipV="1">
+            <a:off x="2656300" y="4955937"/>
+            <a:ext cx="735647" cy="642770"/>
+          </a:xfrm>
+          <a:prstGeom prst="curvedConnector3">
+            <a:avLst/>
+          </a:prstGeom>
+          <a:ln>
+            <a:tailEnd type="arrow"/>
+          </a:ln>
+        </p:spPr>
+        <p:style>
+          <a:lnRef idx="2">
+            <a:schemeClr val="accent1"/>
+          </a:lnRef>
+          <a:fillRef idx="0">
+            <a:schemeClr val="accent1"/>
+          </a:fillRef>
+          <a:effectRef idx="1">
+            <a:schemeClr val="accent1"/>
+          </a:effectRef>
+          <a:fontRef idx="minor">
+            <a:schemeClr val="tx1"/>
+          </a:fontRef>
+        </p:style>
+      </p:cxnSp>
+      <p:cxnSp>
+        <p:nvCxnSpPr>
+          <p:cNvPr id="34" name="Curved Connector 33"/>
+          <p:cNvCxnSpPr/>
+          <p:nvPr/>
+        </p:nvCxnSpPr>
+        <p:spPr>
+          <a:xfrm>
+            <a:off x="2586573" y="3624041"/>
+            <a:ext cx="968029" cy="704678"/>
+          </a:xfrm>
+          <a:prstGeom prst="curvedConnector3">
+            <a:avLst/>
+          </a:prstGeom>
+          <a:ln>
+            <a:tailEnd type="arrow"/>
+          </a:ln>
+        </p:spPr>
+        <p:style>
+          <a:lnRef idx="2">
+            <a:schemeClr val="accent1"/>
+          </a:lnRef>
+          <a:fillRef idx="0">
+            <a:schemeClr val="accent1"/>
+          </a:fillRef>
+          <a:effectRef idx="1">
+            <a:schemeClr val="accent1"/>
+          </a:effectRef>
+          <a:fontRef idx="minor">
+            <a:schemeClr val="tx1"/>
+          </a:fontRef>
+        </p:style>
+      </p:cxnSp>
+    </p:spTree>
+    <p:extLst>
+      <p:ext uri="{BB962C8B-B14F-4D97-AF65-F5344CB8AC3E}">
+        <p14:creationId xmlns:p14="http://schemas.microsoft.com/office/powerpoint/2010/main" val="740659300"/>
+      </p:ext>
+    </p:extLst>
+  </p:cSld>
+  <p:clrMapOvr>
+    <a:masterClrMapping/>
+  </p:clrMapOvr>
+</p:sld>
+</file>
+
+<file path=ppt/slides/slide6.xml><?xml version="1.0" encoding="utf-8"?>
+<p:sld xmlns:a="http://schemas.openxmlformats.org/drawingml/2006/main" xmlns:r="http://schemas.openxmlformats.org/officeDocument/2006/relationships" xmlns:p="http://schemas.openxmlformats.org/presentationml/2006/main">
+  <p:cSld>
+    <p:spTree>
+      <p:nvGrpSpPr>
+        <p:cNvPr id="1" name=""/>
+        <p:cNvGrpSpPr/>
+        <p:nvPr/>
+      </p:nvGrpSpPr>
+      <p:grpSpPr>
+        <a:xfrm>
+          <a:off x="0" y="0"/>
+          <a:ext cx="0" cy="0"/>
+          <a:chOff x="0" y="0"/>
+          <a:chExt cx="0" cy="0"/>
+        </a:xfrm>
+      </p:grpSpPr>
+      <p:sp>
+        <p:nvSpPr>
+          <p:cNvPr id="4" name="Left Arrow 3"/>
+          <p:cNvSpPr/>
+          <p:nvPr/>
+        </p:nvSpPr>
+        <p:spPr>
+          <a:xfrm>
+            <a:off x="6427712" y="3538898"/>
+            <a:ext cx="1788918" cy="813087"/>
+          </a:xfrm>
+          <a:prstGeom prst="leftArrow">
+            <a:avLst/>
+          </a:prstGeom>
+        </p:spPr>
+        <p:style>
+          <a:lnRef idx="1">
+            <a:schemeClr val="accent1"/>
+          </a:lnRef>
+          <a:fillRef idx="3">
+            <a:schemeClr val="accent1"/>
+          </a:fillRef>
+          <a:effectRef idx="2">
+            <a:schemeClr val="accent1"/>
+          </a:effectRef>
+          <a:fontRef idx="minor">
+            <a:schemeClr val="lt1"/>
+          </a:fontRef>
+        </p:style>
+        <p:txBody>
+          <a:bodyPr rtlCol="0" anchor="ctr"/>
+          <a:lstStyle/>
+          <a:p>
+            <a:pPr algn="ctr"/>
+            <a:endParaRPr lang="en-US"/>
+          </a:p>
+        </p:txBody>
+      </p:sp>
+      <p:sp>
+        <p:nvSpPr>
+          <p:cNvPr id="5" name="Left Arrow 4"/>
+          <p:cNvSpPr/>
+          <p:nvPr/>
+        </p:nvSpPr>
+        <p:spPr>
+          <a:xfrm flipH="1">
+            <a:off x="864868" y="3569874"/>
+            <a:ext cx="1667495" cy="813087"/>
+          </a:xfrm>
+          <a:prstGeom prst="leftArrow">
+            <a:avLst/>
+          </a:prstGeom>
+        </p:spPr>
+        <p:style>
+          <a:lnRef idx="1">
+            <a:schemeClr val="accent1"/>
+          </a:lnRef>
+          <a:fillRef idx="3">
+            <a:schemeClr val="accent1"/>
+          </a:fillRef>
+          <a:effectRef idx="2">
+            <a:schemeClr val="accent1"/>
+          </a:effectRef>
+          <a:fontRef idx="minor">
+            <a:schemeClr val="lt1"/>
+          </a:fontRef>
+        </p:style>
+        <p:txBody>
+          <a:bodyPr rtlCol="0" anchor="ctr"/>
+          <a:lstStyle/>
+          <a:p>
+            <a:pPr algn="ctr"/>
+            <a:endParaRPr lang="en-US"/>
+          </a:p>
+        </p:txBody>
+      </p:sp>
+      <p:sp>
+        <p:nvSpPr>
+          <p:cNvPr id="6" name="Left Arrow 5"/>
+          <p:cNvSpPr/>
+          <p:nvPr/>
+        </p:nvSpPr>
+        <p:spPr>
+          <a:xfrm rot="5400000" flipH="1">
+            <a:off x="3899992" y="982861"/>
+            <a:ext cx="1230075" cy="813087"/>
+          </a:xfrm>
+          <a:prstGeom prst="leftArrow">
+            <a:avLst/>
+          </a:prstGeom>
+        </p:spPr>
+        <p:style>
+          <a:lnRef idx="1">
+            <a:schemeClr val="accent1"/>
+          </a:lnRef>
+          <a:fillRef idx="3">
+            <a:schemeClr val="accent1"/>
+          </a:fillRef>
+          <a:effectRef idx="2">
+            <a:schemeClr val="accent1"/>
+          </a:effectRef>
+          <a:fontRef idx="minor">
+            <a:schemeClr val="lt1"/>
+          </a:fontRef>
+        </p:style>
+        <p:txBody>
+          <a:bodyPr rtlCol="0" anchor="ctr"/>
+          <a:lstStyle/>
+          <a:p>
+            <a:pPr algn="ctr"/>
+            <a:endParaRPr lang="en-US"/>
+          </a:p>
+        </p:txBody>
+      </p:sp>
+      <p:sp>
+        <p:nvSpPr>
+          <p:cNvPr id="8" name="TextBox 7"/>
+          <p:cNvSpPr txBox="1"/>
+          <p:nvPr/>
+        </p:nvSpPr>
+        <p:spPr>
+          <a:xfrm>
+            <a:off x="659660" y="4382961"/>
+            <a:ext cx="2683362" cy="1077218"/>
+          </a:xfrm>
+          <a:prstGeom prst="rect">
+            <a:avLst/>
+          </a:prstGeom>
+          <a:noFill/>
+        </p:spPr>
+        <p:txBody>
+          <a:bodyPr wrap="none" rtlCol="0">
+            <a:spAutoFit/>
+          </a:bodyPr>
+          <a:lstStyle/>
+          <a:p>
+            <a:pPr algn="ctr"/>
+            <a:r>
+              <a:rPr lang="en-US" sz="3200" dirty="0" smtClean="0">
+                <a:solidFill>
+                  <a:schemeClr val="tx1">
+                    <a:lumMod val="65000"/>
+                    <a:lumOff val="35000"/>
+                  </a:schemeClr>
+                </a:solidFill>
+                <a:latin typeface="Alegreya Sans Light"/>
+                <a:cs typeface="Alegreya Sans Light"/>
+              </a:rPr>
+              <a:t>Comprehension</a:t>
+            </a:r>
+          </a:p>
+          <a:p>
+            <a:pPr algn="ctr"/>
+            <a:r>
+              <a:rPr lang="en-US" sz="3200" dirty="0">
+                <a:solidFill>
+                  <a:schemeClr val="tx1">
+                    <a:lumMod val="65000"/>
+                    <a:lumOff val="35000"/>
+                  </a:schemeClr>
+                </a:solidFill>
+                <a:latin typeface="Alegreya Sans Light"/>
+                <a:cs typeface="Alegreya Sans Light"/>
+              </a:rPr>
+              <a:t>o</a:t>
+            </a:r>
+            <a:r>
+              <a:rPr lang="en-US" sz="3200" dirty="0" smtClean="0">
+                <a:solidFill>
+                  <a:schemeClr val="tx1">
+                    <a:lumMod val="65000"/>
+                    <a:lumOff val="35000"/>
+                  </a:schemeClr>
+                </a:solidFill>
+                <a:latin typeface="Alegreya Sans Light"/>
+                <a:cs typeface="Alegreya Sans Light"/>
+              </a:rPr>
+              <a:t>f Information</a:t>
+            </a:r>
+            <a:endParaRPr lang="en-US" sz="3200" dirty="0">
+              <a:solidFill>
+                <a:schemeClr val="tx1">
+                  <a:lumMod val="65000"/>
+                  <a:lumOff val="35000"/>
+                </a:schemeClr>
+              </a:solidFill>
+              <a:latin typeface="Alegreya Sans Light"/>
+              <a:cs typeface="Alegreya Sans Light"/>
+            </a:endParaRPr>
+          </a:p>
+        </p:txBody>
+      </p:sp>
+      <p:sp>
+        <p:nvSpPr>
+          <p:cNvPr id="9" name="TextBox 8"/>
+          <p:cNvSpPr txBox="1"/>
+          <p:nvPr/>
+        </p:nvSpPr>
+        <p:spPr>
+          <a:xfrm>
+            <a:off x="6638185" y="4305524"/>
+            <a:ext cx="1556836" cy="1077218"/>
+          </a:xfrm>
+          <a:prstGeom prst="rect">
+            <a:avLst/>
+          </a:prstGeom>
+          <a:noFill/>
+        </p:spPr>
+        <p:txBody>
+          <a:bodyPr wrap="none" rtlCol="0">
+            <a:spAutoFit/>
+          </a:bodyPr>
+          <a:lstStyle/>
+          <a:p>
+            <a:pPr algn="ctr"/>
+            <a:r>
+              <a:rPr lang="en-US" sz="3200" dirty="0" smtClean="0">
+                <a:solidFill>
+                  <a:schemeClr val="tx1">
+                    <a:lumMod val="65000"/>
+                    <a:lumOff val="35000"/>
+                  </a:schemeClr>
+                </a:solidFill>
+                <a:latin typeface="Alegreya Sans Light"/>
+                <a:cs typeface="Alegreya Sans Light"/>
+              </a:rPr>
+              <a:t>Speed of</a:t>
+            </a:r>
+          </a:p>
+          <a:p>
+            <a:pPr algn="ctr"/>
+            <a:r>
+              <a:rPr lang="en-US" sz="3200" dirty="0" smtClean="0">
+                <a:solidFill>
+                  <a:schemeClr val="tx1">
+                    <a:lumMod val="65000"/>
+                    <a:lumOff val="35000"/>
+                  </a:schemeClr>
+                </a:solidFill>
+                <a:latin typeface="Alegreya Sans Light"/>
+                <a:cs typeface="Alegreya Sans Light"/>
+              </a:rPr>
+              <a:t>Reading</a:t>
+            </a:r>
+            <a:endParaRPr lang="en-US" sz="3200" dirty="0">
+              <a:solidFill>
+                <a:schemeClr val="tx1">
+                  <a:lumMod val="65000"/>
+                  <a:lumOff val="35000"/>
+                </a:schemeClr>
+              </a:solidFill>
+              <a:latin typeface="Alegreya Sans Light"/>
+              <a:cs typeface="Alegreya Sans Light"/>
+            </a:endParaRPr>
+          </a:p>
+        </p:txBody>
+      </p:sp>
+      <p:sp>
+        <p:nvSpPr>
+          <p:cNvPr id="10" name="TextBox 9"/>
+          <p:cNvSpPr txBox="1"/>
+          <p:nvPr/>
+        </p:nvSpPr>
+        <p:spPr>
+          <a:xfrm>
+            <a:off x="3878034" y="2189120"/>
+            <a:ext cx="1401808" cy="1077218"/>
+          </a:xfrm>
+          <a:prstGeom prst="rect">
+            <a:avLst/>
+          </a:prstGeom>
+          <a:noFill/>
+        </p:spPr>
+        <p:txBody>
+          <a:bodyPr wrap="none" rtlCol="0">
+            <a:spAutoFit/>
+          </a:bodyPr>
+          <a:lstStyle/>
+          <a:p>
+            <a:pPr algn="ctr"/>
+            <a:r>
+              <a:rPr lang="en-US" sz="3200" dirty="0" smtClean="0">
+                <a:solidFill>
+                  <a:schemeClr val="tx1">
+                    <a:lumMod val="65000"/>
+                    <a:lumOff val="35000"/>
+                  </a:schemeClr>
+                </a:solidFill>
+                <a:latin typeface="Alegreya Sans Light"/>
+                <a:cs typeface="Alegreya Sans Light"/>
+              </a:rPr>
+              <a:t>Volume</a:t>
+            </a:r>
+            <a:br>
+              <a:rPr lang="en-US" sz="3200" dirty="0" smtClean="0">
+                <a:solidFill>
+                  <a:schemeClr val="tx1">
+                    <a:lumMod val="65000"/>
+                    <a:lumOff val="35000"/>
+                  </a:schemeClr>
+                </a:solidFill>
+                <a:latin typeface="Alegreya Sans Light"/>
+                <a:cs typeface="Alegreya Sans Light"/>
+              </a:rPr>
+            </a:br>
+            <a:r>
+              <a:rPr lang="en-US" sz="3200" dirty="0" smtClean="0">
+                <a:solidFill>
+                  <a:schemeClr val="tx1">
+                    <a:lumMod val="65000"/>
+                    <a:lumOff val="35000"/>
+                  </a:schemeClr>
+                </a:solidFill>
+                <a:latin typeface="Alegreya Sans Light"/>
+                <a:cs typeface="Alegreya Sans Light"/>
+              </a:rPr>
+              <a:t>of Data</a:t>
+            </a:r>
+            <a:endParaRPr lang="en-US" sz="3200" dirty="0">
+              <a:solidFill>
+                <a:schemeClr val="tx1">
+                  <a:lumMod val="65000"/>
+                  <a:lumOff val="35000"/>
+                </a:schemeClr>
+              </a:solidFill>
+              <a:latin typeface="Alegreya Sans Light"/>
+              <a:cs typeface="Alegreya Sans Light"/>
+            </a:endParaRPr>
+          </a:p>
+        </p:txBody>
+      </p:sp>
+      <p:pic>
+        <p:nvPicPr>
+          <p:cNvPr id="11" name="Picture 10" descr="limitless-screen-land-1280x720.png"/>
+          <p:cNvPicPr>
+            <a:picLocks noChangeAspect="1"/>
+          </p:cNvPicPr>
+          <p:nvPr/>
+        </p:nvPicPr>
+        <p:blipFill>
+          <a:blip r:embed="rId2">
+            <a:extLst>
+              <a:ext uri="{28A0092B-C50C-407E-A947-70E740481C1C}">
+                <a14:useLocalDpi xmlns:a14="http://schemas.microsoft.com/office/drawing/2010/main" val="0"/>
+              </a:ext>
+            </a:extLst>
+          </a:blip>
+          <a:stretch>
+            <a:fillRect/>
+          </a:stretch>
+        </p:blipFill>
+        <p:spPr>
+          <a:xfrm>
+            <a:off x="3469416" y="3433016"/>
+            <a:ext cx="2462665" cy="1385249"/>
+          </a:xfrm>
+          <a:prstGeom prst="rect">
+            <a:avLst/>
+          </a:prstGeom>
+        </p:spPr>
+      </p:pic>
+    </p:spTree>
+    <p:extLst>
+      <p:ext uri="{BB962C8B-B14F-4D97-AF65-F5344CB8AC3E}">
+        <p14:creationId xmlns:p14="http://schemas.microsoft.com/office/powerpoint/2010/main" val="3110217455"/>
+      </p:ext>
+    </p:extLst>
+  </p:cSld>
+  <p:clrMapOvr>
+    <a:masterClrMapping/>
+  </p:clrMapOvr>
+</p:sld>
+</file>
+
+<file path=ppt/slides/slide7.xml><?xml version="1.0" encoding="utf-8"?>
+<p:sld xmlns:a="http://schemas.openxmlformats.org/drawingml/2006/main" xmlns:r="http://schemas.openxmlformats.org/officeDocument/2006/relationships" xmlns:p="http://schemas.openxmlformats.org/presentationml/2006/main">
+  <p:cSld>
+    <p:spTree>
+      <p:nvGrpSpPr>
+        <p:cNvPr id="1" name=""/>
+        <p:cNvGrpSpPr/>
+        <p:nvPr/>
+      </p:nvGrpSpPr>
+      <p:grpSpPr>
+        <a:xfrm>
+          <a:off x="0" y="0"/>
+          <a:ext cx="0" cy="0"/>
+          <a:chOff x="0" y="0"/>
+          <a:chExt cx="0" cy="0"/>
+        </a:xfrm>
+      </p:grpSpPr>
+      <p:pic>
+        <p:nvPicPr>
+          <p:cNvPr id="4" name="Picture 3" descr="limitless-screen-land-1280x720.png"/>
+          <p:cNvPicPr>
+            <a:picLocks noChangeAspect="1"/>
+          </p:cNvPicPr>
+          <p:nvPr/>
+        </p:nvPicPr>
+        <p:blipFill>
+          <a:blip r:embed="rId2">
+            <a:extLst>
+              <a:ext uri="{28A0092B-C50C-407E-A947-70E740481C1C}">
+                <a14:useLocalDpi xmlns:a14="http://schemas.microsoft.com/office/drawing/2010/main" val="0"/>
+              </a:ext>
+            </a:extLst>
+          </a:blip>
+          <a:stretch>
+            <a:fillRect/>
+          </a:stretch>
+        </p:blipFill>
+        <p:spPr>
+          <a:xfrm>
+            <a:off x="0" y="0"/>
+            <a:ext cx="9144000" cy="5143500"/>
+          </a:xfrm>
+          <a:prstGeom prst="rect">
+            <a:avLst/>
+          </a:prstGeom>
+        </p:spPr>
+      </p:pic>
+      <p:sp>
+        <p:nvSpPr>
+          <p:cNvPr id="5" name="Content Placeholder 2"/>
+          <p:cNvSpPr>
+            <a:spLocks noGrp="1"/>
+          </p:cNvSpPr>
+          <p:nvPr>
+            <p:ph idx="1"/>
+          </p:nvPr>
+        </p:nvSpPr>
+        <p:spPr>
+          <a:xfrm>
+            <a:off x="457200" y="5242475"/>
+            <a:ext cx="8229600" cy="1448068"/>
+          </a:xfrm>
+        </p:spPr>
+        <p:txBody>
+          <a:bodyPr vert="horz" lIns="91440" tIns="45720" rIns="91440" bIns="45720" rtlCol="0">
+            <a:normAutofit fontScale="92500" lnSpcReduction="10000"/>
+          </a:bodyPr>
+          <a:lstStyle/>
+          <a:p>
+            <a:pPr marL="0" indent="0" algn="ctr">
+              <a:buNone/>
+            </a:pPr>
+            <a:r>
+              <a:rPr lang="en-US" dirty="0" smtClean="0">
+                <a:solidFill>
+                  <a:srgbClr val="595959"/>
+                </a:solidFill>
+              </a:rPr>
+              <a:t>Bradley Cooper gets super human capabilities by taking a pill … he reads faster, comprehends better, retains information more, etc.</a:t>
+            </a:r>
+            <a:endParaRPr lang="en-US" dirty="0">
+              <a:solidFill>
+                <a:srgbClr val="595959"/>
+              </a:solidFill>
+            </a:endParaRPr>
+          </a:p>
+        </p:txBody>
+      </p:sp>
+    </p:spTree>
+    <p:extLst>
+      <p:ext uri="{BB962C8B-B14F-4D97-AF65-F5344CB8AC3E}">
+        <p14:creationId xmlns:p14="http://schemas.microsoft.com/office/powerpoint/2010/main" val="2317777106"/>
+      </p:ext>
+    </p:extLst>
+  </p:cSld>
+  <p:clrMapOvr>
+    <a:masterClrMapping/>
+  </p:clrMapOvr>
+</p:sld>
+</file>
+
+<file path=ppt/slides/slide8.xml><?xml version="1.0" encoding="utf-8"?>
+<p:sld xmlns:a="http://schemas.openxmlformats.org/drawingml/2006/main" xmlns:r="http://schemas.openxmlformats.org/officeDocument/2006/relationships" xmlns:p="http://schemas.openxmlformats.org/presentationml/2006/main">
+  <p:cSld>
+    <p:spTree>
+      <p:nvGrpSpPr>
+        <p:cNvPr id="1" name=""/>
+        <p:cNvGrpSpPr/>
+        <p:nvPr/>
+      </p:nvGrpSpPr>
+      <p:grpSpPr>
+        <a:xfrm>
+          <a:off x="0" y="0"/>
+          <a:ext cx="0" cy="0"/>
+          <a:chOff x="0" y="0"/>
+          <a:chExt cx="0" cy="0"/>
+        </a:xfrm>
+      </p:grpSpPr>
+      <p:sp>
+        <p:nvSpPr>
+          <p:cNvPr id="4" name="Content Placeholder 2"/>
+          <p:cNvSpPr>
+            <a:spLocks noGrp="1"/>
+          </p:cNvSpPr>
+          <p:nvPr>
+            <p:ph idx="1"/>
+          </p:nvPr>
+        </p:nvSpPr>
+        <p:spPr>
+          <a:xfrm>
+            <a:off x="457200" y="4708160"/>
+            <a:ext cx="8229600" cy="1966895"/>
+          </a:xfrm>
+        </p:spPr>
+        <p:txBody>
+          <a:bodyPr vert="horz" lIns="91440" tIns="45720" rIns="91440" bIns="45720" rtlCol="0">
+            <a:normAutofit/>
+          </a:bodyPr>
+          <a:lstStyle/>
+          <a:p>
+            <a:pPr marL="0" indent="0">
+              <a:buNone/>
+            </a:pPr>
+            <a:r>
+              <a:rPr lang="en-US" dirty="0" smtClean="0">
+                <a:solidFill>
+                  <a:srgbClr val="595959"/>
+                </a:solidFill>
+              </a:rPr>
+              <a:t>Demo</a:t>
+            </a:r>
+            <a:endParaRPr lang="en-US" dirty="0">
+              <a:solidFill>
+                <a:srgbClr val="595959"/>
+              </a:solidFill>
+            </a:endParaRPr>
+          </a:p>
+        </p:txBody>
+      </p:sp>
+    </p:spTree>
+    <p:extLst>
+      <p:ext uri="{BB962C8B-B14F-4D97-AF65-F5344CB8AC3E}">
+        <p14:creationId xmlns:p14="http://schemas.microsoft.com/office/powerpoint/2010/main" val="1771025329"/>
+      </p:ext>
+    </p:extLst>
+  </p:cSld>
+  <p:clrMapOvr>
+    <a:masterClrMapping/>
+  </p:clrMapOvr>
+</p:sld>
+</file>
+
+<file path=ppt/slides/slide9.xml><?xml version="1.0" encoding="utf-8"?>
+<p:sld xmlns:a="http://schemas.openxmlformats.org/drawingml/2006/main" xmlns:r="http://schemas.openxmlformats.org/officeDocument/2006/relationships" xmlns:p="http://schemas.openxmlformats.org/presentationml/2006/main">
+  <p:cSld>
+    <p:spTree>
+      <p:nvGrpSpPr>
+        <p:cNvPr id="1" name=""/>
+        <p:cNvGrpSpPr/>
+        <p:nvPr/>
+      </p:nvGrpSpPr>
+      <p:grpSpPr>
+        <a:xfrm>
+          <a:off x="0" y="0"/>
+          <a:ext cx="0" cy="0"/>
+          <a:chOff x="0" y="0"/>
+          <a:chExt cx="0" cy="0"/>
+        </a:xfrm>
+      </p:grpSpPr>
+      <p:sp>
+        <p:nvSpPr>
+          <p:cNvPr id="4" name="Content Placeholder 2"/>
+          <p:cNvSpPr>
+            <a:spLocks noGrp="1"/>
+          </p:cNvSpPr>
+          <p:nvPr>
+            <p:ph idx="1"/>
+          </p:nvPr>
+        </p:nvSpPr>
+        <p:spPr>
+          <a:xfrm>
+            <a:off x="457200" y="4708160"/>
+            <a:ext cx="8229600" cy="1966895"/>
+          </a:xfrm>
+        </p:spPr>
+        <p:txBody>
+          <a:bodyPr vert="horz" lIns="91440" tIns="45720" rIns="91440" bIns="45720" rtlCol="0">
+            <a:normAutofit/>
+          </a:bodyPr>
+          <a:lstStyle/>
+          <a:p>
+            <a:pPr marL="0" indent="0">
+              <a:buNone/>
+            </a:pPr>
+            <a:r>
+              <a:rPr lang="en-US" dirty="0">
+                <a:solidFill>
+                  <a:srgbClr val="595959"/>
+                </a:solidFill>
+              </a:rPr>
+              <a:t>Thank </a:t>
+            </a:r>
+            <a:r>
+              <a:rPr lang="en-US" dirty="0" smtClean="0">
+                <a:solidFill>
+                  <a:srgbClr val="595959"/>
+                </a:solidFill>
+              </a:rPr>
+              <a:t>You</a:t>
+            </a:r>
+            <a:endParaRPr lang="en-US" dirty="0">
+              <a:solidFill>
+                <a:srgbClr val="595959"/>
+              </a:solidFill>
+            </a:endParaRPr>
+          </a:p>
+        </p:txBody>
+      </p:sp>
+    </p:spTree>
+    <p:extLst>
+      <p:ext uri="{BB962C8B-B14F-4D97-AF65-F5344CB8AC3E}">
+        <p14:creationId xmlns:p14="http://schemas.microsoft.com/office/powerpoint/2010/main" val="2867249"/>
       </p:ext>
     </p:extLst>
   </p:cSld>
@@ -4086,4 +5931,324 @@
   </a:objectDefaults>
   <a:extraClrSchemeLst/>
 </a:theme>
+</file>
+
+<file path=ppt/theme/theme2.xml><?xml version="1.0" encoding="utf-8"?>
+<a:theme xmlns:a="http://schemas.openxmlformats.org/drawingml/2006/main" name="Office Theme">
+  <a:themeElements>
+    <a:clrScheme name="Office">
+      <a:dk1>
+        <a:sysClr val="windowText" lastClr="000000"/>
+      </a:dk1>
+      <a:lt1>
+        <a:sysClr val="window" lastClr="FFFFFF"/>
+      </a:lt1>
+      <a:dk2>
+        <a:srgbClr val="1F497D"/>
+      </a:dk2>
+      <a:lt2>
+        <a:srgbClr val="EEECE1"/>
+      </a:lt2>
+      <a:accent1>
+        <a:srgbClr val="4F81BD"/>
+      </a:accent1>
+      <a:accent2>
+        <a:srgbClr val="C0504D"/>
+      </a:accent2>
+      <a:accent3>
+        <a:srgbClr val="9BBB59"/>
+      </a:accent3>
+      <a:accent4>
+        <a:srgbClr val="8064A2"/>
+      </a:accent4>
+      <a:accent5>
+        <a:srgbClr val="4BACC6"/>
+      </a:accent5>
+      <a:accent6>
+        <a:srgbClr val="F79646"/>
+      </a:accent6>
+      <a:hlink>
+        <a:srgbClr val="0000FF"/>
+      </a:hlink>
+      <a:folHlink>
+        <a:srgbClr val="800080"/>
+      </a:folHlink>
+    </a:clrScheme>
+    <a:fontScheme name="Office">
+      <a:majorFont>
+        <a:latin typeface="Calibri"/>
+        <a:ea typeface=""/>
+        <a:cs typeface=""/>
+        <a:font script="Jpan" typeface="ＭＳ Ｐゴシック"/>
+        <a:font script="Hang" typeface="맑은 고딕"/>
+        <a:font script="Hans" typeface="宋体"/>
+        <a:font script="Hant" typeface="新細明體"/>
+        <a:font script="Arab" typeface="Times New Roman"/>
+        <a:font script="Hebr" typeface="Times New Roman"/>
+        <a:font script="Thai" typeface="Angsana New"/>
+        <a:font script="Ethi" typeface="Nyala"/>
+        <a:font script="Beng" typeface="Vrinda"/>
+        <a:font script="Gujr" typeface="Shruti"/>
+        <a:font script="Khmr" typeface="MoolBoran"/>
+        <a:font script="Knda" typeface="Tunga"/>
+        <a:font script="Guru" typeface="Raavi"/>
+        <a:font script="Cans" typeface="Euphemia"/>
+        <a:font script="Cher" typeface="Plantagenet Cherokee"/>
+        <a:font script="Yiii" typeface="Microsoft Yi Baiti"/>
+        <a:font script="Tibt" typeface="Microsoft Himalaya"/>
+        <a:font script="Thaa" typeface="MV Boli"/>
+        <a:font script="Deva" typeface="Mangal"/>
+        <a:font script="Telu" typeface="Gautami"/>
+        <a:font script="Taml" typeface="Latha"/>
+        <a:font script="Syrc" typeface="Estrangelo Edessa"/>
+        <a:font script="Orya" typeface="Kalinga"/>
+        <a:font script="Mlym" typeface="Kartika"/>
+        <a:font script="Laoo" typeface="DokChampa"/>
+        <a:font script="Sinh" typeface="Iskoola Pota"/>
+        <a:font script="Mong" typeface="Mongolian Baiti"/>
+        <a:font script="Viet" typeface="Times New Roman"/>
+        <a:font script="Uigh" typeface="Microsoft Uighur"/>
+        <a:font script="Geor" typeface="Sylfaen"/>
+      </a:majorFont>
+      <a:minorFont>
+        <a:latin typeface="Calibri"/>
+        <a:ea typeface=""/>
+        <a:cs typeface=""/>
+        <a:font script="Jpan" typeface="ＭＳ Ｐゴシック"/>
+        <a:font script="Hang" typeface="맑은 고딕"/>
+        <a:font script="Hans" typeface="宋体"/>
+        <a:font script="Hant" typeface="新細明體"/>
+        <a:font script="Arab" typeface="Arial"/>
+        <a:font script="Hebr" typeface="Arial"/>
+        <a:font script="Thai" typeface="Cordia New"/>
+        <a:font script="Ethi" typeface="Nyala"/>
+        <a:font script="Beng" typeface="Vrinda"/>
+        <a:font script="Gujr" typeface="Shruti"/>
+        <a:font script="Khmr" typeface="DaunPenh"/>
+        <a:font script="Knda" typeface="Tunga"/>
+        <a:font script="Guru" typeface="Raavi"/>
+        <a:font script="Cans" typeface="Euphemia"/>
+        <a:font script="Cher" typeface="Plantagenet Cherokee"/>
+        <a:font script="Yiii" typeface="Microsoft Yi Baiti"/>
+        <a:font script="Tibt" typeface="Microsoft Himalaya"/>
+        <a:font script="Thaa" typeface="MV Boli"/>
+        <a:font script="Deva" typeface="Mangal"/>
+        <a:font script="Telu" typeface="Gautami"/>
+        <a:font script="Taml" typeface="Latha"/>
+        <a:font script="Syrc" typeface="Estrangelo Edessa"/>
+        <a:font script="Orya" typeface="Kalinga"/>
+        <a:font script="Mlym" typeface="Kartika"/>
+        <a:font script="Laoo" typeface="DokChampa"/>
+        <a:font script="Sinh" typeface="Iskoola Pota"/>
+        <a:font script="Mong" typeface="Mongolian Baiti"/>
+        <a:font script="Viet" typeface="Arial"/>
+        <a:font script="Uigh" typeface="Microsoft Uighur"/>
+        <a:font script="Geor" typeface="Sylfaen"/>
+      </a:minorFont>
+    </a:fontScheme>
+    <a:fmtScheme name="Office">
+      <a:fillStyleLst>
+        <a:solidFill>
+          <a:schemeClr val="phClr"/>
+        </a:solidFill>
+        <a:gradFill rotWithShape="1">
+          <a:gsLst>
+            <a:gs pos="0">
+              <a:schemeClr val="phClr">
+                <a:tint val="50000"/>
+                <a:satMod val="300000"/>
+              </a:schemeClr>
+            </a:gs>
+            <a:gs pos="35000">
+              <a:schemeClr val="phClr">
+                <a:tint val="37000"/>
+                <a:satMod val="300000"/>
+              </a:schemeClr>
+            </a:gs>
+            <a:gs pos="100000">
+              <a:schemeClr val="phClr">
+                <a:tint val="15000"/>
+                <a:satMod val="350000"/>
+              </a:schemeClr>
+            </a:gs>
+          </a:gsLst>
+          <a:lin ang="16200000" scaled="1"/>
+        </a:gradFill>
+        <a:gradFill rotWithShape="1">
+          <a:gsLst>
+            <a:gs pos="0">
+              <a:schemeClr val="phClr">
+                <a:tint val="100000"/>
+                <a:shade val="100000"/>
+                <a:satMod val="130000"/>
+              </a:schemeClr>
+            </a:gs>
+            <a:gs pos="100000">
+              <a:schemeClr val="phClr">
+                <a:tint val="50000"/>
+                <a:shade val="100000"/>
+                <a:satMod val="350000"/>
+              </a:schemeClr>
+            </a:gs>
+          </a:gsLst>
+          <a:lin ang="16200000" scaled="0"/>
+        </a:gradFill>
+      </a:fillStyleLst>
+      <a:lnStyleLst>
+        <a:ln w="9525" cap="flat" cmpd="sng" algn="ctr">
+          <a:solidFill>
+            <a:schemeClr val="phClr">
+              <a:shade val="95000"/>
+              <a:satMod val="105000"/>
+            </a:schemeClr>
+          </a:solidFill>
+          <a:prstDash val="solid"/>
+        </a:ln>
+        <a:ln w="25400" cap="flat" cmpd="sng" algn="ctr">
+          <a:solidFill>
+            <a:schemeClr val="phClr"/>
+          </a:solidFill>
+          <a:prstDash val="solid"/>
+        </a:ln>
+        <a:ln w="38100" cap="flat" cmpd="sng" algn="ctr">
+          <a:solidFill>
+            <a:schemeClr val="phClr"/>
+          </a:solidFill>
+          <a:prstDash val="solid"/>
+        </a:ln>
+      </a:lnStyleLst>
+      <a:effectStyleLst>
+        <a:effectStyle>
+          <a:effectLst>
+            <a:outerShdw blurRad="40000" dist="20000" dir="5400000" rotWithShape="0">
+              <a:srgbClr val="000000">
+                <a:alpha val="38000"/>
+              </a:srgbClr>
+            </a:outerShdw>
+          </a:effectLst>
+        </a:effectStyle>
+        <a:effectStyle>
+          <a:effectLst>
+            <a:outerShdw blurRad="40000" dist="23000" dir="5400000" rotWithShape="0">
+              <a:srgbClr val="000000">
+                <a:alpha val="35000"/>
+              </a:srgbClr>
+            </a:outerShdw>
+          </a:effectLst>
+        </a:effectStyle>
+        <a:effectStyle>
+          <a:effectLst>
+            <a:outerShdw blurRad="40000" dist="23000" dir="5400000" rotWithShape="0">
+              <a:srgbClr val="000000">
+                <a:alpha val="35000"/>
+              </a:srgbClr>
+            </a:outerShdw>
+          </a:effectLst>
+          <a:scene3d>
+            <a:camera prst="orthographicFront">
+              <a:rot lat="0" lon="0" rev="0"/>
+            </a:camera>
+            <a:lightRig rig="threePt" dir="t">
+              <a:rot lat="0" lon="0" rev="1200000"/>
+            </a:lightRig>
+          </a:scene3d>
+          <a:sp3d>
+            <a:bevelT w="63500" h="25400"/>
+          </a:sp3d>
+        </a:effectStyle>
+      </a:effectStyleLst>
+      <a:bgFillStyleLst>
+        <a:solidFill>
+          <a:schemeClr val="phClr"/>
+        </a:solidFill>
+        <a:gradFill rotWithShape="1">
+          <a:gsLst>
+            <a:gs pos="0">
+              <a:schemeClr val="phClr">
+                <a:tint val="40000"/>
+                <a:satMod val="350000"/>
+              </a:schemeClr>
+            </a:gs>
+            <a:gs pos="40000">
+              <a:schemeClr val="phClr">
+                <a:tint val="45000"/>
+                <a:shade val="99000"/>
+                <a:satMod val="350000"/>
+              </a:schemeClr>
+            </a:gs>
+            <a:gs pos="100000">
+              <a:schemeClr val="phClr">
+                <a:shade val="20000"/>
+                <a:satMod val="255000"/>
+              </a:schemeClr>
+            </a:gs>
+          </a:gsLst>
+          <a:path path="circle">
+            <a:fillToRect l="50000" t="-80000" r="50000" b="180000"/>
+          </a:path>
+        </a:gradFill>
+        <a:gradFill rotWithShape="1">
+          <a:gsLst>
+            <a:gs pos="0">
+              <a:schemeClr val="phClr">
+                <a:tint val="80000"/>
+                <a:satMod val="300000"/>
+              </a:schemeClr>
+            </a:gs>
+            <a:gs pos="100000">
+              <a:schemeClr val="phClr">
+                <a:shade val="30000"/>
+                <a:satMod val="200000"/>
+              </a:schemeClr>
+            </a:gs>
+          </a:gsLst>
+          <a:path path="circle">
+            <a:fillToRect l="50000" t="50000" r="50000" b="50000"/>
+          </a:path>
+        </a:gradFill>
+      </a:bgFillStyleLst>
+    </a:fmtScheme>
+  </a:themeElements>
+  <a:objectDefaults>
+    <a:spDef>
+      <a:spPr/>
+      <a:bodyPr/>
+      <a:lstStyle/>
+      <a:style>
+        <a:lnRef idx="1">
+          <a:schemeClr val="accent1"/>
+        </a:lnRef>
+        <a:fillRef idx="3">
+          <a:schemeClr val="accent1"/>
+        </a:fillRef>
+        <a:effectRef idx="2">
+          <a:schemeClr val="accent1"/>
+        </a:effectRef>
+        <a:fontRef idx="minor">
+          <a:schemeClr val="lt1"/>
+        </a:fontRef>
+      </a:style>
+    </a:spDef>
+    <a:lnDef>
+      <a:spPr/>
+      <a:bodyPr/>
+      <a:lstStyle/>
+      <a:style>
+        <a:lnRef idx="2">
+          <a:schemeClr val="accent1"/>
+        </a:lnRef>
+        <a:fillRef idx="0">
+          <a:schemeClr val="accent1"/>
+        </a:fillRef>
+        <a:effectRef idx="1">
+          <a:schemeClr val="accent1"/>
+        </a:effectRef>
+        <a:fontRef idx="minor">
+          <a:schemeClr val="tx1"/>
+        </a:fontRef>
+      </a:style>
+    </a:lnDef>
+  </a:objectDefaults>
+  <a:extraClrSchemeLst/>
+</a:theme>
 </file>
--- a/misc/ppt/limitless.pptx
+++ b/misc/ppt/limitless.pptx
@@ -733,7 +733,7 @@
           <a:p>
             <a:fld id="{15C64120-FFF4-4745-9F76-477E49F74189}" type="datetimeFigureOut">
               <a:rPr lang="en-US" smtClean="0"/>
-              <a:t>7/4/14</a:t>
+              <a:t>7/5/14</a:t>
             </a:fld>
             <a:endParaRPr lang="en-US"/>
           </a:p>
@@ -903,7 +903,7 @@
           <a:p>
             <a:fld id="{15C64120-FFF4-4745-9F76-477E49F74189}" type="datetimeFigureOut">
               <a:rPr lang="en-US" smtClean="0"/>
-              <a:t>7/4/14</a:t>
+              <a:t>7/5/14</a:t>
             </a:fld>
             <a:endParaRPr lang="en-US"/>
           </a:p>
@@ -1083,7 +1083,7 @@
           <a:p>
             <a:fld id="{15C64120-FFF4-4745-9F76-477E49F74189}" type="datetimeFigureOut">
               <a:rPr lang="en-US" smtClean="0"/>
-              <a:t>7/4/14</a:t>
+              <a:t>7/5/14</a:t>
             </a:fld>
             <a:endParaRPr lang="en-US"/>
           </a:p>
@@ -1253,7 +1253,7 @@
           <a:p>
             <a:fld id="{15C64120-FFF4-4745-9F76-477E49F74189}" type="datetimeFigureOut">
               <a:rPr lang="en-US" smtClean="0"/>
-              <a:t>7/4/14</a:t>
+              <a:t>7/5/14</a:t>
             </a:fld>
             <a:endParaRPr lang="en-US"/>
           </a:p>
@@ -1499,7 +1499,7 @@
           <a:p>
             <a:fld id="{15C64120-FFF4-4745-9F76-477E49F74189}" type="datetimeFigureOut">
               <a:rPr lang="en-US" smtClean="0"/>
-              <a:t>7/4/14</a:t>
+              <a:t>7/5/14</a:t>
             </a:fld>
             <a:endParaRPr lang="en-US"/>
           </a:p>
@@ -1787,7 +1787,7 @@
           <a:p>
             <a:fld id="{15C64120-FFF4-4745-9F76-477E49F74189}" type="datetimeFigureOut">
               <a:rPr lang="en-US" smtClean="0"/>
-              <a:t>7/4/14</a:t>
+              <a:t>7/5/14</a:t>
             </a:fld>
             <a:endParaRPr lang="en-US"/>
           </a:p>
@@ -2209,7 +2209,7 @@
           <a:p>
             <a:fld id="{15C64120-FFF4-4745-9F76-477E49F74189}" type="datetimeFigureOut">
               <a:rPr lang="en-US" smtClean="0"/>
-              <a:t>7/4/14</a:t>
+              <a:t>7/5/14</a:t>
             </a:fld>
             <a:endParaRPr lang="en-US"/>
           </a:p>
@@ -2327,7 +2327,7 @@
           <a:p>
             <a:fld id="{15C64120-FFF4-4745-9F76-477E49F74189}" type="datetimeFigureOut">
               <a:rPr lang="en-US" smtClean="0"/>
-              <a:t>7/4/14</a:t>
+              <a:t>7/5/14</a:t>
             </a:fld>
             <a:endParaRPr lang="en-US"/>
           </a:p>
@@ -2422,7 +2422,7 @@
           <a:p>
             <a:fld id="{15C64120-FFF4-4745-9F76-477E49F74189}" type="datetimeFigureOut">
               <a:rPr lang="en-US" smtClean="0"/>
-              <a:t>7/4/14</a:t>
+              <a:t>7/5/14</a:t>
             </a:fld>
             <a:endParaRPr lang="en-US"/>
           </a:p>
@@ -2699,7 +2699,7 @@
           <a:p>
             <a:fld id="{15C64120-FFF4-4745-9F76-477E49F74189}" type="datetimeFigureOut">
               <a:rPr lang="en-US" smtClean="0"/>
-              <a:t>7/4/14</a:t>
+              <a:t>7/5/14</a:t>
             </a:fld>
             <a:endParaRPr lang="en-US"/>
           </a:p>
@@ -2952,7 +2952,7 @@
           <a:p>
             <a:fld id="{15C64120-FFF4-4745-9F76-477E49F74189}" type="datetimeFigureOut">
               <a:rPr lang="en-US" smtClean="0"/>
-              <a:t>7/4/14</a:t>
+              <a:t>7/5/14</a:t>
             </a:fld>
             <a:endParaRPr lang="en-US"/>
           </a:p>
@@ -3168,7 +3168,7 @@
           <a:p>
             <a:fld id="{15C64120-FFF4-4745-9F76-477E49F74189}" type="datetimeFigureOut">
               <a:rPr lang="en-US" smtClean="0"/>
-              <a:t>7/4/14</a:t>
+              <a:t>7/5/14</a:t>
             </a:fld>
             <a:endParaRPr lang="en-US"/>
           </a:p>
@@ -3846,11 +3846,13 @@
         <p:spPr>
           <a:xfrm>
             <a:off x="216839" y="960232"/>
-            <a:ext cx="8735492" cy="4599748"/>
-          </a:xfrm>
-        </p:spPr>
-        <p:txBody>
-          <a:bodyPr/>
+            <a:ext cx="8735492" cy="4917224"/>
+          </a:xfrm>
+        </p:spPr>
+        <p:txBody>
+          <a:bodyPr>
+            <a:normAutofit lnSpcReduction="10000"/>
+          </a:bodyPr>
           <a:lstStyle/>
           <a:p>
             <a:pPr marL="0" indent="0" algn="ctr">
@@ -3862,71 +3864,13 @@
                   <a:srgbClr val="595959"/>
                 </a:solidFill>
               </a:rPr>
-              <a:t>https://</a:t>
-            </a:r>
-            <a:r>
-              <a:rPr lang="en-US" dirty="0" err="1" smtClean="0">
-                <a:solidFill>
-                  <a:srgbClr val="595959"/>
-                </a:solidFill>
-              </a:rPr>
-              <a:t>github.com</a:t>
-            </a:r>
-            <a:r>
-              <a:rPr lang="en-US" dirty="0" smtClean="0">
-                <a:solidFill>
-                  <a:srgbClr val="595959"/>
-                </a:solidFill>
-              </a:rPr>
-              <a:t>/</a:t>
-            </a:r>
-            <a:r>
-              <a:rPr lang="en-US" dirty="0" err="1" smtClean="0">
-                <a:solidFill>
-                  <a:srgbClr val="595959"/>
-                </a:solidFill>
-              </a:rPr>
-              <a:t>sathishvj</a:t>
-            </a:r>
-            <a:r>
-              <a:rPr lang="en-US" dirty="0" smtClean="0">
-                <a:solidFill>
-                  <a:srgbClr val="595959"/>
-                </a:solidFill>
-              </a:rPr>
-              <a:t>/limitless</a:t>
-            </a:r>
-          </a:p>
-          <a:p>
-            <a:pPr marL="0" indent="0" algn="ctr">
-              <a:buNone/>
-            </a:pPr>
+              <a:t>         API</a:t>
+            </a:r>
             <a:endParaRPr lang="en-US" dirty="0" smtClean="0">
               <a:solidFill>
                 <a:srgbClr val="595959"/>
               </a:solidFill>
             </a:endParaRPr>
-          </a:p>
-          <a:p>
-            <a:pPr marL="0" indent="0" algn="ctr">
-              <a:buNone/>
-            </a:pPr>
-            <a:r>
-              <a:rPr lang="en-US" dirty="0" err="1" smtClean="0">
-                <a:solidFill>
-                  <a:srgbClr val="595959"/>
-                </a:solidFill>
-              </a:rPr>
-              <a:t>Frrole</a:t>
-            </a:r>
-            <a:r>
-              <a:rPr lang="en-US" dirty="0" smtClean="0">
-                <a:solidFill>
-                  <a:srgbClr val="595959"/>
-                </a:solidFill>
-              </a:rPr>
-              <a:t> API</a:t>
-            </a:r>
           </a:p>
           <a:p>
             <a:pPr marL="0" indent="0" algn="ctr">
@@ -3975,28 +3919,31 @@
             <a:pPr marL="0" indent="0" algn="ctr">
               <a:buNone/>
             </a:pPr>
+            <a:endParaRPr lang="en-US" dirty="0" smtClean="0">
+              <a:solidFill>
+                <a:srgbClr val="595959"/>
+              </a:solidFill>
+            </a:endParaRPr>
+          </a:p>
+          <a:p>
+            <a:pPr marL="0" indent="0" algn="ctr">
+              <a:buNone/>
+            </a:pPr>
             <a:r>
               <a:rPr lang="en-US" dirty="0" smtClean="0">
                 <a:solidFill>
                   <a:srgbClr val="595959"/>
                 </a:solidFill>
               </a:rPr>
-              <a:t/>
-            </a:r>
-            <a:br>
+              <a:t>works </a:t>
+            </a:r>
+            <a:r>
               <a:rPr lang="en-US" dirty="0" smtClean="0">
                 <a:solidFill>
                   <a:srgbClr val="595959"/>
                 </a:solidFill>
               </a:rPr>
-            </a:br>
-            <a:r>
-              <a:rPr lang="en-US" dirty="0" smtClean="0">
-                <a:solidFill>
-                  <a:srgbClr val="595959"/>
-                </a:solidFill>
-              </a:rPr>
-              <a:t>works natively on Windows Phone, Android, </a:t>
+              <a:t>natively on Windows Phone, Android, </a:t>
             </a:r>
             <a:r>
               <a:rPr lang="en-US" dirty="0" err="1" smtClean="0">
@@ -4012,11 +3959,336 @@
                   <a:srgbClr val="595959"/>
                 </a:solidFill>
               </a:rPr>
-              <a:t>, …</a:t>
-            </a:r>
-          </a:p>
-        </p:txBody>
-      </p:sp>
+              <a:t>, </a:t>
+            </a:r>
+            <a:r>
+              <a:rPr lang="en-US" dirty="0" smtClean="0">
+                <a:solidFill>
+                  <a:srgbClr val="595959"/>
+                </a:solidFill>
+              </a:rPr>
+              <a:t>…</a:t>
+            </a:r>
+          </a:p>
+          <a:p>
+            <a:pPr marL="0" indent="0" algn="ctr">
+              <a:buNone/>
+            </a:pPr>
+            <a:endParaRPr lang="en-US" dirty="0" smtClean="0">
+              <a:solidFill>
+                <a:srgbClr val="595959"/>
+              </a:solidFill>
+            </a:endParaRPr>
+          </a:p>
+          <a:p>
+            <a:pPr marL="0" indent="0" algn="ctr">
+              <a:buNone/>
+            </a:pPr>
+            <a:endParaRPr lang="en-US" dirty="0">
+              <a:solidFill>
+                <a:srgbClr val="595959"/>
+              </a:solidFill>
+            </a:endParaRPr>
+          </a:p>
+          <a:p>
+            <a:pPr marL="0" indent="0" algn="ctr">
+              <a:buNone/>
+            </a:pPr>
+            <a:r>
+              <a:rPr lang="en-US" dirty="0">
+                <a:solidFill>
+                  <a:srgbClr val="595959"/>
+                </a:solidFill>
+              </a:rPr>
+              <a:t>https://</a:t>
+            </a:r>
+            <a:r>
+              <a:rPr lang="en-US" dirty="0" err="1">
+                <a:solidFill>
+                  <a:srgbClr val="595959"/>
+                </a:solidFill>
+              </a:rPr>
+              <a:t>github.com</a:t>
+            </a:r>
+            <a:r>
+              <a:rPr lang="en-US" dirty="0">
+                <a:solidFill>
+                  <a:srgbClr val="595959"/>
+                </a:solidFill>
+              </a:rPr>
+              <a:t>/</a:t>
+            </a:r>
+            <a:r>
+              <a:rPr lang="en-US" dirty="0" err="1">
+                <a:solidFill>
+                  <a:srgbClr val="595959"/>
+                </a:solidFill>
+              </a:rPr>
+              <a:t>sathishvj</a:t>
+            </a:r>
+            <a:r>
+              <a:rPr lang="en-US" dirty="0">
+                <a:solidFill>
+                  <a:srgbClr val="595959"/>
+                </a:solidFill>
+              </a:rPr>
+              <a:t>/</a:t>
+            </a:r>
+            <a:r>
+              <a:rPr lang="en-US" dirty="0" smtClean="0">
+                <a:solidFill>
+                  <a:srgbClr val="595959"/>
+                </a:solidFill>
+              </a:rPr>
+              <a:t>limitless</a:t>
+            </a:r>
+            <a:endParaRPr lang="en-US" dirty="0">
+              <a:solidFill>
+                <a:srgbClr val="595959"/>
+              </a:solidFill>
+            </a:endParaRPr>
+          </a:p>
+        </p:txBody>
+      </p:sp>
+      <p:pic>
+        <p:nvPicPr>
+          <p:cNvPr id="4" name="Picture 3"/>
+          <p:cNvPicPr>
+            <a:picLocks noChangeAspect="1"/>
+          </p:cNvPicPr>
+          <p:nvPr/>
+        </p:nvPicPr>
+        <p:blipFill>
+          <a:blip r:embed="rId2"/>
+          <a:stretch>
+            <a:fillRect/>
+          </a:stretch>
+        </p:blipFill>
+        <p:spPr>
+          <a:xfrm>
+            <a:off x="2992667" y="1014420"/>
+            <a:ext cx="1495805" cy="591747"/>
+          </a:xfrm>
+          <a:prstGeom prst="rect">
+            <a:avLst/>
+          </a:prstGeom>
+        </p:spPr>
+      </p:pic>
+      <p:pic>
+        <p:nvPicPr>
+          <p:cNvPr id="5" name="Picture 4"/>
+          <p:cNvPicPr>
+            <a:picLocks noChangeAspect="1"/>
+          </p:cNvPicPr>
+          <p:nvPr/>
+        </p:nvPicPr>
+        <p:blipFill>
+          <a:blip r:embed="rId3"/>
+          <a:stretch>
+            <a:fillRect/>
+          </a:stretch>
+        </p:blipFill>
+        <p:spPr>
+          <a:xfrm>
+            <a:off x="1936058" y="2619002"/>
+            <a:ext cx="539058" cy="539058"/>
+          </a:xfrm>
+          <a:prstGeom prst="rect">
+            <a:avLst/>
+          </a:prstGeom>
+        </p:spPr>
+      </p:pic>
+      <p:pic>
+        <p:nvPicPr>
+          <p:cNvPr id="6" name="Picture 5"/>
+          <p:cNvPicPr>
+            <a:picLocks noChangeAspect="1"/>
+          </p:cNvPicPr>
+          <p:nvPr/>
+        </p:nvPicPr>
+        <p:blipFill rotWithShape="1">
+          <a:blip r:embed="rId4"/>
+          <a:srcRect b="41397"/>
+          <a:stretch/>
+        </p:blipFill>
+        <p:spPr>
+          <a:xfrm>
+            <a:off x="3293093" y="2619002"/>
+            <a:ext cx="656464" cy="427023"/>
+          </a:xfrm>
+          <a:prstGeom prst="rect">
+            <a:avLst/>
+          </a:prstGeom>
+        </p:spPr>
+      </p:pic>
+      <p:pic>
+        <p:nvPicPr>
+          <p:cNvPr id="7" name="Picture 6"/>
+          <p:cNvPicPr>
+            <a:picLocks noChangeAspect="1"/>
+          </p:cNvPicPr>
+          <p:nvPr/>
+        </p:nvPicPr>
+        <p:blipFill>
+          <a:blip r:embed="rId5"/>
+          <a:stretch>
+            <a:fillRect/>
+          </a:stretch>
+        </p:blipFill>
+        <p:spPr>
+          <a:xfrm>
+            <a:off x="4446569" y="2624372"/>
+            <a:ext cx="421653" cy="421653"/>
+          </a:xfrm>
+          <a:prstGeom prst="rect">
+            <a:avLst/>
+          </a:prstGeom>
+        </p:spPr>
+      </p:pic>
+      <p:pic>
+        <p:nvPicPr>
+          <p:cNvPr id="8" name="Picture 7"/>
+          <p:cNvPicPr>
+            <a:picLocks noChangeAspect="1"/>
+          </p:cNvPicPr>
+          <p:nvPr/>
+        </p:nvPicPr>
+        <p:blipFill>
+          <a:blip r:embed="rId6"/>
+          <a:stretch>
+            <a:fillRect/>
+          </a:stretch>
+        </p:blipFill>
+        <p:spPr>
+          <a:xfrm>
+            <a:off x="5448475" y="2624372"/>
+            <a:ext cx="437140" cy="437140"/>
+          </a:xfrm>
+          <a:prstGeom prst="rect">
+            <a:avLst/>
+          </a:prstGeom>
+        </p:spPr>
+      </p:pic>
+      <p:pic>
+        <p:nvPicPr>
+          <p:cNvPr id="9" name="Picture 8"/>
+          <p:cNvPicPr>
+            <a:picLocks noChangeAspect="1"/>
+          </p:cNvPicPr>
+          <p:nvPr/>
+        </p:nvPicPr>
+        <p:blipFill>
+          <a:blip r:embed="rId7"/>
+          <a:stretch>
+            <a:fillRect/>
+          </a:stretch>
+        </p:blipFill>
+        <p:spPr>
+          <a:xfrm>
+            <a:off x="6680125" y="2619002"/>
+            <a:ext cx="405845" cy="405845"/>
+          </a:xfrm>
+          <a:prstGeom prst="rect">
+            <a:avLst/>
+          </a:prstGeom>
+        </p:spPr>
+      </p:pic>
+      <p:pic>
+        <p:nvPicPr>
+          <p:cNvPr id="10" name="Picture 9"/>
+          <p:cNvPicPr>
+            <a:picLocks noChangeAspect="1"/>
+          </p:cNvPicPr>
+          <p:nvPr/>
+        </p:nvPicPr>
+        <p:blipFill>
+          <a:blip r:embed="rId8"/>
+          <a:stretch>
+            <a:fillRect/>
+          </a:stretch>
+        </p:blipFill>
+        <p:spPr>
+          <a:xfrm>
+            <a:off x="4314918" y="4126238"/>
+            <a:ext cx="746910" cy="570049"/>
+          </a:xfrm>
+          <a:prstGeom prst="rect">
+            <a:avLst/>
+          </a:prstGeom>
+        </p:spPr>
+      </p:pic>
+      <p:pic>
+        <p:nvPicPr>
+          <p:cNvPr id="11" name="Picture 10"/>
+          <p:cNvPicPr>
+            <a:picLocks noChangeAspect="1"/>
+          </p:cNvPicPr>
+          <p:nvPr/>
+        </p:nvPicPr>
+        <p:blipFill>
+          <a:blip r:embed="rId9"/>
+          <a:stretch>
+            <a:fillRect/>
+          </a:stretch>
+        </p:blipFill>
+        <p:spPr>
+          <a:xfrm>
+            <a:off x="6424578" y="4126238"/>
+            <a:ext cx="661392" cy="595074"/>
+          </a:xfrm>
+          <a:prstGeom prst="rect">
+            <a:avLst/>
+          </a:prstGeom>
+        </p:spPr>
+      </p:pic>
+      <p:pic>
+        <p:nvPicPr>
+          <p:cNvPr id="12" name="Picture 11"/>
+          <p:cNvPicPr>
+            <a:picLocks noChangeAspect="1"/>
+          </p:cNvPicPr>
+          <p:nvPr/>
+        </p:nvPicPr>
+        <p:blipFill>
+          <a:blip r:embed="rId10"/>
+          <a:stretch>
+            <a:fillRect/>
+          </a:stretch>
+        </p:blipFill>
+        <p:spPr>
+          <a:xfrm>
+            <a:off x="7473183" y="4126238"/>
+            <a:ext cx="1003286" cy="570049"/>
+          </a:xfrm>
+          <a:prstGeom prst="rect">
+            <a:avLst/>
+          </a:prstGeom>
+        </p:spPr>
+      </p:pic>
+      <p:pic>
+        <p:nvPicPr>
+          <p:cNvPr id="13" name="Picture 12"/>
+          <p:cNvPicPr>
+            <a:picLocks noChangeAspect="1"/>
+          </p:cNvPicPr>
+          <p:nvPr/>
+        </p:nvPicPr>
+        <p:blipFill>
+          <a:blip r:embed="rId11"/>
+          <a:stretch>
+            <a:fillRect/>
+          </a:stretch>
+        </p:blipFill>
+        <p:spPr>
+          <a:xfrm>
+            <a:off x="2992667" y="5743012"/>
+            <a:ext cx="670669" cy="557494"/>
+          </a:xfrm>
+          <a:prstGeom prst="rect">
+            <a:avLst/>
+          </a:prstGeom>
+        </p:spPr>
+      </p:pic>
     </p:spTree>
     <p:extLst>
       <p:ext uri="{BB962C8B-B14F-4D97-AF65-F5344CB8AC3E}">

--- a/misc/ppt/limitless.pptx
+++ b/misc/ppt/limitless.pptx
@@ -5,7 +5,7 @@
     <p:sldMasterId id="2147483648" r:id="rId1"/>
   </p:sldMasterIdLst>
   <p:notesMasterIdLst>
-    <p:notesMasterId r:id="rId11"/>
+    <p:notesMasterId r:id="rId10"/>
   </p:notesMasterIdLst>
   <p:sldIdLst>
     <p:sldId id="256" r:id="rId2"/>
@@ -14,9 +14,8 @@
     <p:sldId id="260" r:id="rId5"/>
     <p:sldId id="262" r:id="rId6"/>
     <p:sldId id="257" r:id="rId7"/>
-    <p:sldId id="263" r:id="rId8"/>
-    <p:sldId id="265" r:id="rId9"/>
-    <p:sldId id="264" r:id="rId10"/>
+    <p:sldId id="265" r:id="rId8"/>
+    <p:sldId id="263" r:id="rId9"/>
   </p:sldIdLst>
   <p:sldSz cx="9144000" cy="6858000" type="screen4x3"/>
   <p:notesSz cx="6858000" cy="9144000"/>
@@ -200,7 +199,7 @@
           <a:p>
             <a:fld id="{0E0C3486-EAA8-EA49-AB9A-B10E851F16CE}" type="datetimeFigureOut">
               <a:rPr lang="en-US" smtClean="0"/>
-              <a:t>7/5/14</a:t>
+              <a:t>7/6/14</a:t>
             </a:fld>
             <a:endParaRPr lang="en-US"/>
           </a:p>
@@ -733,7 +732,7 @@
           <a:p>
             <a:fld id="{15C64120-FFF4-4745-9F76-477E49F74189}" type="datetimeFigureOut">
               <a:rPr lang="en-US" smtClean="0"/>
-              <a:t>7/5/14</a:t>
+              <a:t>7/6/14</a:t>
             </a:fld>
             <a:endParaRPr lang="en-US"/>
           </a:p>
@@ -903,7 +902,7 @@
           <a:p>
             <a:fld id="{15C64120-FFF4-4745-9F76-477E49F74189}" type="datetimeFigureOut">
               <a:rPr lang="en-US" smtClean="0"/>
-              <a:t>7/5/14</a:t>
+              <a:t>7/6/14</a:t>
             </a:fld>
             <a:endParaRPr lang="en-US"/>
           </a:p>
@@ -1083,7 +1082,7 @@
           <a:p>
             <a:fld id="{15C64120-FFF4-4745-9F76-477E49F74189}" type="datetimeFigureOut">
               <a:rPr lang="en-US" smtClean="0"/>
-              <a:t>7/5/14</a:t>
+              <a:t>7/6/14</a:t>
             </a:fld>
             <a:endParaRPr lang="en-US"/>
           </a:p>
@@ -1253,7 +1252,7 @@
           <a:p>
             <a:fld id="{15C64120-FFF4-4745-9F76-477E49F74189}" type="datetimeFigureOut">
               <a:rPr lang="en-US" smtClean="0"/>
-              <a:t>7/5/14</a:t>
+              <a:t>7/6/14</a:t>
             </a:fld>
             <a:endParaRPr lang="en-US"/>
           </a:p>
@@ -1499,7 +1498,7 @@
           <a:p>
             <a:fld id="{15C64120-FFF4-4745-9F76-477E49F74189}" type="datetimeFigureOut">
               <a:rPr lang="en-US" smtClean="0"/>
-              <a:t>7/5/14</a:t>
+              <a:t>7/6/14</a:t>
             </a:fld>
             <a:endParaRPr lang="en-US"/>
           </a:p>
@@ -1787,7 +1786,7 @@
           <a:p>
             <a:fld id="{15C64120-FFF4-4745-9F76-477E49F74189}" type="datetimeFigureOut">
               <a:rPr lang="en-US" smtClean="0"/>
-              <a:t>7/5/14</a:t>
+              <a:t>7/6/14</a:t>
             </a:fld>
             <a:endParaRPr lang="en-US"/>
           </a:p>
@@ -2209,7 +2208,7 @@
           <a:p>
             <a:fld id="{15C64120-FFF4-4745-9F76-477E49F74189}" type="datetimeFigureOut">
               <a:rPr lang="en-US" smtClean="0"/>
-              <a:t>7/5/14</a:t>
+              <a:t>7/6/14</a:t>
             </a:fld>
             <a:endParaRPr lang="en-US"/>
           </a:p>
@@ -2327,7 +2326,7 @@
           <a:p>
             <a:fld id="{15C64120-FFF4-4745-9F76-477E49F74189}" type="datetimeFigureOut">
               <a:rPr lang="en-US" smtClean="0"/>
-              <a:t>7/5/14</a:t>
+              <a:t>7/6/14</a:t>
             </a:fld>
             <a:endParaRPr lang="en-US"/>
           </a:p>
@@ -2422,7 +2421,7 @@
           <a:p>
             <a:fld id="{15C64120-FFF4-4745-9F76-477E49F74189}" type="datetimeFigureOut">
               <a:rPr lang="en-US" smtClean="0"/>
-              <a:t>7/5/14</a:t>
+              <a:t>7/6/14</a:t>
             </a:fld>
             <a:endParaRPr lang="en-US"/>
           </a:p>
@@ -2699,7 +2698,7 @@
           <a:p>
             <a:fld id="{15C64120-FFF4-4745-9F76-477E49F74189}" type="datetimeFigureOut">
               <a:rPr lang="en-US" smtClean="0"/>
-              <a:t>7/5/14</a:t>
+              <a:t>7/6/14</a:t>
             </a:fld>
             <a:endParaRPr lang="en-US"/>
           </a:p>
@@ -2952,7 +2951,7 @@
           <a:p>
             <a:fld id="{15C64120-FFF4-4745-9F76-477E49F74189}" type="datetimeFigureOut">
               <a:rPr lang="en-US" smtClean="0"/>
-              <a:t>7/5/14</a:t>
+              <a:t>7/6/14</a:t>
             </a:fld>
             <a:endParaRPr lang="en-US"/>
           </a:p>
@@ -3168,7 +3167,7 @@
           <a:p>
             <a:fld id="{15C64120-FFF4-4745-9F76-477E49F74189}" type="datetimeFigureOut">
               <a:rPr lang="en-US" smtClean="0"/>
-              <a:t>7/5/14</a:t>
+              <a:t>7/6/14</a:t>
             </a:fld>
             <a:endParaRPr lang="en-US"/>
           </a:p>
@@ -3813,6 +3812,13 @@
   <p:clrMapOvr>
     <a:masterClrMapping/>
   </p:clrMapOvr>
+  <p:timing>
+    <p:tnLst>
+      <p:par>
+        <p:cTn xmlns:p14="http://schemas.microsoft.com/office/powerpoint/2010/main" id="1" dur="indefinite" restart="never" nodeType="tmRoot"/>
+      </p:par>
+    </p:tnLst>
+  </p:timing>
 </p:sld>
 </file>
 
@@ -3866,11 +3872,6 @@
               </a:rPr>
               <a:t>         API</a:t>
             </a:r>
-            <a:endParaRPr lang="en-US" dirty="0" smtClean="0">
-              <a:solidFill>
-                <a:srgbClr val="595959"/>
-              </a:solidFill>
-            </a:endParaRPr>
           </a:p>
           <a:p>
             <a:pPr marL="0" indent="0" algn="ctr">
@@ -3935,15 +3936,7 @@
                   <a:srgbClr val="595959"/>
                 </a:solidFill>
               </a:rPr>
-              <a:t>works </a:t>
-            </a:r>
-            <a:r>
-              <a:rPr lang="en-US" dirty="0" smtClean="0">
-                <a:solidFill>
-                  <a:srgbClr val="595959"/>
-                </a:solidFill>
-              </a:rPr>
-              <a:t>natively on Windows Phone, Android, </a:t>
+              <a:t>works natively on Windows Phone, Android, </a:t>
             </a:r>
             <a:r>
               <a:rPr lang="en-US" dirty="0" err="1" smtClean="0">
@@ -3959,15 +3952,7 @@
                   <a:srgbClr val="595959"/>
                 </a:solidFill>
               </a:rPr>
-              <a:t>, </a:t>
-            </a:r>
-            <a:r>
-              <a:rPr lang="en-US" dirty="0" smtClean="0">
-                <a:solidFill>
-                  <a:srgbClr val="595959"/>
-                </a:solidFill>
-              </a:rPr>
-              <a:t>…</a:t>
+              <a:t>, …</a:t>
             </a:r>
           </a:p>
           <a:p>
@@ -4281,7 +4266,7 @@
         </p:blipFill>
         <p:spPr>
           <a:xfrm>
-            <a:off x="2992667" y="5743012"/>
+            <a:off x="4111234" y="5743012"/>
             <a:ext cx="670669" cy="557494"/>
           </a:xfrm>
           <a:prstGeom prst="rect">
@@ -4299,6 +4284,13 @@
   <p:clrMapOvr>
     <a:masterClrMapping/>
   </p:clrMapOvr>
+  <p:timing>
+    <p:tnLst>
+      <p:par>
+        <p:cTn xmlns:p14="http://schemas.microsoft.com/office/powerpoint/2010/main" id="1" dur="indefinite" restart="never" nodeType="tmRoot"/>
+      </p:par>
+    </p:tnLst>
+  </p:timing>
 </p:sld>
 </file>
 
@@ -4453,6 +4445,13 @@
   <p:clrMapOvr>
     <a:masterClrMapping/>
   </p:clrMapOvr>
+  <p:timing>
+    <p:tnLst>
+      <p:par>
+        <p:cTn xmlns:p14="http://schemas.microsoft.com/office/powerpoint/2010/main" id="1" dur="indefinite" restart="never" nodeType="tmRoot"/>
+      </p:par>
+    </p:tnLst>
+  </p:timing>
 </p:sld>
 </file>
 
@@ -4840,6 +4839,13 @@
   <p:clrMapOvr>
     <a:masterClrMapping/>
   </p:clrMapOvr>
+  <p:timing>
+    <p:tnLst>
+      <p:par>
+        <p:cTn xmlns:p14="http://schemas.microsoft.com/office/powerpoint/2010/main" id="1" dur="indefinite" restart="never" nodeType="tmRoot"/>
+      </p:par>
+    </p:tnLst>
+  </p:timing>
 </p:sld>
 </file>
 
@@ -5240,6 +5246,13 @@
   <p:clrMapOvr>
     <a:masterClrMapping/>
   </p:clrMapOvr>
+  <p:timing>
+    <p:tnLst>
+      <p:par>
+        <p:cTn xmlns:p14="http://schemas.microsoft.com/office/powerpoint/2010/main" id="1" dur="indefinite" restart="never" nodeType="tmRoot"/>
+      </p:par>
+    </p:tnLst>
+  </p:timing>
 </p:sld>
 </file>
 
@@ -5631,10 +5644,143 @@
   <p:clrMapOvr>
     <a:masterClrMapping/>
   </p:clrMapOvr>
+  <p:timing>
+    <p:tnLst>
+      <p:par>
+        <p:cTn xmlns:p14="http://schemas.microsoft.com/office/powerpoint/2010/main" id="1" dur="indefinite" restart="never" nodeType="tmRoot"/>
+      </p:par>
+    </p:tnLst>
+  </p:timing>
 </p:sld>
 </file>
 
 <file path=ppt/slides/slide7.xml><?xml version="1.0" encoding="utf-8"?>
+<p:sld xmlns:a="http://schemas.openxmlformats.org/drawingml/2006/main" xmlns:r="http://schemas.openxmlformats.org/officeDocument/2006/relationships" xmlns:p="http://schemas.openxmlformats.org/presentationml/2006/main">
+  <p:cSld>
+    <p:spTree>
+      <p:nvGrpSpPr>
+        <p:cNvPr id="1" name=""/>
+        <p:cNvGrpSpPr/>
+        <p:nvPr/>
+      </p:nvGrpSpPr>
+      <p:grpSpPr>
+        <a:xfrm>
+          <a:off x="0" y="0"/>
+          <a:ext cx="0" cy="0"/>
+          <a:chOff x="0" y="0"/>
+          <a:chExt cx="0" cy="0"/>
+        </a:xfrm>
+      </p:grpSpPr>
+      <p:sp>
+        <p:nvSpPr>
+          <p:cNvPr id="4" name="Content Placeholder 2"/>
+          <p:cNvSpPr>
+            <a:spLocks noGrp="1"/>
+          </p:cNvSpPr>
+          <p:nvPr>
+            <p:ph idx="1"/>
+          </p:nvPr>
+        </p:nvSpPr>
+        <p:spPr>
+          <a:xfrm>
+            <a:off x="391835" y="5939320"/>
+            <a:ext cx="2194723" cy="735735"/>
+          </a:xfrm>
+        </p:spPr>
+        <p:txBody>
+          <a:bodyPr vert="horz" lIns="91440" tIns="45720" rIns="91440" bIns="45720" rtlCol="0">
+            <a:normAutofit/>
+          </a:bodyPr>
+          <a:lstStyle/>
+          <a:p>
+            <a:pPr marL="0" indent="0">
+              <a:buNone/>
+            </a:pPr>
+            <a:r>
+              <a:rPr lang="en-US" dirty="0" smtClean="0">
+                <a:solidFill>
+                  <a:srgbClr val="595959"/>
+                </a:solidFill>
+              </a:rPr>
+              <a:t>Demo</a:t>
+            </a:r>
+            <a:endParaRPr lang="en-US" dirty="0">
+              <a:solidFill>
+                <a:srgbClr val="595959"/>
+              </a:solidFill>
+            </a:endParaRPr>
+          </a:p>
+        </p:txBody>
+      </p:sp>
+      <p:pic>
+        <p:nvPicPr>
+          <p:cNvPr id="5" name="Picture 4"/>
+          <p:cNvPicPr>
+            <a:picLocks noChangeAspect="1"/>
+          </p:cNvPicPr>
+          <p:nvPr/>
+        </p:nvPicPr>
+        <p:blipFill>
+          <a:blip r:embed="rId2"/>
+          <a:stretch>
+            <a:fillRect/>
+          </a:stretch>
+        </p:blipFill>
+        <p:spPr>
+          <a:xfrm>
+            <a:off x="2933949" y="1056786"/>
+            <a:ext cx="2389203" cy="4540112"/>
+          </a:xfrm>
+          <a:prstGeom prst="rect">
+            <a:avLst/>
+          </a:prstGeom>
+        </p:spPr>
+      </p:pic>
+      <p:pic>
+        <p:nvPicPr>
+          <p:cNvPr id="6" name="Picture 5"/>
+          <p:cNvPicPr>
+            <a:picLocks noChangeAspect="1"/>
+          </p:cNvPicPr>
+          <p:nvPr/>
+        </p:nvPicPr>
+        <p:blipFill>
+          <a:blip r:embed="rId3"/>
+          <a:stretch>
+            <a:fillRect/>
+          </a:stretch>
+        </p:blipFill>
+        <p:spPr>
+          <a:xfrm>
+            <a:off x="5708554" y="1056786"/>
+            <a:ext cx="2445641" cy="4540112"/>
+          </a:xfrm>
+          <a:prstGeom prst="rect">
+            <a:avLst/>
+          </a:prstGeom>
+        </p:spPr>
+      </p:pic>
+    </p:spTree>
+    <p:extLst>
+      <p:ext uri="{BB962C8B-B14F-4D97-AF65-F5344CB8AC3E}">
+        <p14:creationId xmlns:p14="http://schemas.microsoft.com/office/powerpoint/2010/main" val="1771025329"/>
+      </p:ext>
+    </p:extLst>
+  </p:cSld>
+  <p:clrMapOvr>
+    <a:masterClrMapping/>
+  </p:clrMapOvr>
+  <p:timing>
+    <p:tnLst>
+      <p:par>
+        <p:cTn xmlns:p14="http://schemas.microsoft.com/office/powerpoint/2010/main" id="1" dur="indefinite" restart="never" nodeType="tmRoot"/>
+      </p:par>
+    </p:tnLst>
+  </p:timing>
+</p:sld>
+</file>
+
+<file path=ppt/slides/slide8.xml><?xml version="1.0" encoding="utf-8"?>
 <p:sld xmlns:a="http://schemas.openxmlformats.org/drawingml/2006/main" xmlns:r="http://schemas.openxmlformats.org/officeDocument/2006/relationships" xmlns:p="http://schemas.openxmlformats.org/presentationml/2006/main">
   <p:cSld>
     <p:spTree>
@@ -5693,13 +5839,13 @@
         </p:nvSpPr>
         <p:spPr>
           <a:xfrm>
-            <a:off x="457200" y="5242475"/>
-            <a:ext cx="8229600" cy="1448068"/>
+            <a:off x="457199" y="5128370"/>
+            <a:ext cx="8488373" cy="827585"/>
           </a:xfrm>
         </p:spPr>
         <p:txBody>
           <a:bodyPr vert="horz" lIns="91440" tIns="45720" rIns="91440" bIns="45720" rtlCol="0">
-            <a:normAutofit fontScale="92500" lnSpcReduction="10000"/>
+            <a:normAutofit/>
           </a:bodyPr>
           <a:lstStyle/>
           <a:p>
@@ -5707,12 +5853,191 @@
               <a:buNone/>
             </a:pPr>
             <a:r>
-              <a:rPr lang="en-US" dirty="0" smtClean="0">
+              <a:rPr lang="en-US" sz="2400" dirty="0" smtClean="0">
                 <a:solidFill>
                   <a:srgbClr val="595959"/>
                 </a:solidFill>
               </a:rPr>
               <a:t>Bradley Cooper gets super human capabilities by taking a pill … he reads faster, comprehends better, retains information more, etc.</a:t>
+            </a:r>
+            <a:endParaRPr lang="en-US" sz="2400" dirty="0">
+              <a:solidFill>
+                <a:srgbClr val="595959"/>
+              </a:solidFill>
+            </a:endParaRPr>
+          </a:p>
+        </p:txBody>
+      </p:sp>
+      <p:sp>
+        <p:nvSpPr>
+          <p:cNvPr id="6" name="Content Placeholder 2"/>
+          <p:cNvSpPr txBox="1">
+            <a:spLocks/>
+          </p:cNvSpPr>
+          <p:nvPr/>
+        </p:nvSpPr>
+        <p:spPr>
+          <a:xfrm>
+            <a:off x="3333229" y="6165133"/>
+            <a:ext cx="2157373" cy="689042"/>
+          </a:xfrm>
+          <a:prstGeom prst="rect">
+            <a:avLst/>
+          </a:prstGeom>
+        </p:spPr>
+        <p:txBody>
+          <a:bodyPr vert="horz" lIns="91440" tIns="45720" rIns="91440" bIns="45720" rtlCol="0">
+            <a:normAutofit/>
+          </a:bodyPr>
+          <a:lstStyle>
+            <a:lvl1pPr marL="342900" indent="-342900" algn="l" defTabSz="457200" rtl="0" eaLnBrk="1" latinLnBrk="0" hangingPunct="1">
+              <a:spcBef>
+                <a:spcPct val="20000"/>
+              </a:spcBef>
+              <a:buFont typeface="Arial"/>
+              <a:buChar char="•"/>
+              <a:defRPr sz="3200" kern="1200">
+                <a:solidFill>
+                  <a:schemeClr val="tx1"/>
+                </a:solidFill>
+                <a:latin typeface="+mn-lt"/>
+                <a:ea typeface="+mn-ea"/>
+                <a:cs typeface="+mn-cs"/>
+              </a:defRPr>
+            </a:lvl1pPr>
+            <a:lvl2pPr marL="742950" indent="-285750" algn="l" defTabSz="457200" rtl="0" eaLnBrk="1" latinLnBrk="0" hangingPunct="1">
+              <a:spcBef>
+                <a:spcPct val="20000"/>
+              </a:spcBef>
+              <a:buFont typeface="Arial"/>
+              <a:buChar char="–"/>
+              <a:defRPr sz="2800" kern="1200">
+                <a:solidFill>
+                  <a:schemeClr val="tx1"/>
+                </a:solidFill>
+                <a:latin typeface="+mn-lt"/>
+                <a:ea typeface="+mn-ea"/>
+                <a:cs typeface="+mn-cs"/>
+              </a:defRPr>
+            </a:lvl2pPr>
+            <a:lvl3pPr marL="1143000" indent="-228600" algn="l" defTabSz="457200" rtl="0" eaLnBrk="1" latinLnBrk="0" hangingPunct="1">
+              <a:spcBef>
+                <a:spcPct val="20000"/>
+              </a:spcBef>
+              <a:buFont typeface="Arial"/>
+              <a:buChar char="•"/>
+              <a:defRPr sz="2400" kern="1200">
+                <a:solidFill>
+                  <a:schemeClr val="tx1"/>
+                </a:solidFill>
+                <a:latin typeface="+mn-lt"/>
+                <a:ea typeface="+mn-ea"/>
+                <a:cs typeface="+mn-cs"/>
+              </a:defRPr>
+            </a:lvl3pPr>
+            <a:lvl4pPr marL="1600200" indent="-228600" algn="l" defTabSz="457200" rtl="0" eaLnBrk="1" latinLnBrk="0" hangingPunct="1">
+              <a:spcBef>
+                <a:spcPct val="20000"/>
+              </a:spcBef>
+              <a:buFont typeface="Arial"/>
+              <a:buChar char="–"/>
+              <a:defRPr sz="2000" kern="1200">
+                <a:solidFill>
+                  <a:schemeClr val="tx1"/>
+                </a:solidFill>
+                <a:latin typeface="+mn-lt"/>
+                <a:ea typeface="+mn-ea"/>
+                <a:cs typeface="+mn-cs"/>
+              </a:defRPr>
+            </a:lvl4pPr>
+            <a:lvl5pPr marL="2057400" indent="-228600" algn="l" defTabSz="457200" rtl="0" eaLnBrk="1" latinLnBrk="0" hangingPunct="1">
+              <a:spcBef>
+                <a:spcPct val="20000"/>
+              </a:spcBef>
+              <a:buFont typeface="Arial"/>
+              <a:buChar char="»"/>
+              <a:defRPr sz="2000" kern="1200">
+                <a:solidFill>
+                  <a:schemeClr val="tx1"/>
+                </a:solidFill>
+                <a:latin typeface="+mn-lt"/>
+                <a:ea typeface="+mn-ea"/>
+                <a:cs typeface="+mn-cs"/>
+              </a:defRPr>
+            </a:lvl5pPr>
+            <a:lvl6pPr marL="2514600" indent="-228600" algn="l" defTabSz="457200" rtl="0" eaLnBrk="1" latinLnBrk="0" hangingPunct="1">
+              <a:spcBef>
+                <a:spcPct val="20000"/>
+              </a:spcBef>
+              <a:buFont typeface="Arial"/>
+              <a:buChar char="•"/>
+              <a:defRPr sz="2000" kern="1200">
+                <a:solidFill>
+                  <a:schemeClr val="tx1"/>
+                </a:solidFill>
+                <a:latin typeface="+mn-lt"/>
+                <a:ea typeface="+mn-ea"/>
+                <a:cs typeface="+mn-cs"/>
+              </a:defRPr>
+            </a:lvl6pPr>
+            <a:lvl7pPr marL="2971800" indent="-228600" algn="l" defTabSz="457200" rtl="0" eaLnBrk="1" latinLnBrk="0" hangingPunct="1">
+              <a:spcBef>
+                <a:spcPct val="20000"/>
+              </a:spcBef>
+              <a:buFont typeface="Arial"/>
+              <a:buChar char="•"/>
+              <a:defRPr sz="2000" kern="1200">
+                <a:solidFill>
+                  <a:schemeClr val="tx1"/>
+                </a:solidFill>
+                <a:latin typeface="+mn-lt"/>
+                <a:ea typeface="+mn-ea"/>
+                <a:cs typeface="+mn-cs"/>
+              </a:defRPr>
+            </a:lvl7pPr>
+            <a:lvl8pPr marL="3429000" indent="-228600" algn="l" defTabSz="457200" rtl="0" eaLnBrk="1" latinLnBrk="0" hangingPunct="1">
+              <a:spcBef>
+                <a:spcPct val="20000"/>
+              </a:spcBef>
+              <a:buFont typeface="Arial"/>
+              <a:buChar char="•"/>
+              <a:defRPr sz="2000" kern="1200">
+                <a:solidFill>
+                  <a:schemeClr val="tx1"/>
+                </a:solidFill>
+                <a:latin typeface="+mn-lt"/>
+                <a:ea typeface="+mn-ea"/>
+                <a:cs typeface="+mn-cs"/>
+              </a:defRPr>
+            </a:lvl8pPr>
+            <a:lvl9pPr marL="3886200" indent="-228600" algn="l" defTabSz="457200" rtl="0" eaLnBrk="1" latinLnBrk="0" hangingPunct="1">
+              <a:spcBef>
+                <a:spcPct val="20000"/>
+              </a:spcBef>
+              <a:buFont typeface="Arial"/>
+              <a:buChar char="•"/>
+              <a:defRPr sz="2000" kern="1200">
+                <a:solidFill>
+                  <a:schemeClr val="tx1"/>
+                </a:solidFill>
+                <a:latin typeface="+mn-lt"/>
+                <a:ea typeface="+mn-ea"/>
+                <a:cs typeface="+mn-cs"/>
+              </a:defRPr>
+            </a:lvl9pPr>
+          </a:lstStyle>
+          <a:p>
+            <a:pPr marL="0" indent="0">
+              <a:buFont typeface="Arial"/>
+              <a:buNone/>
+            </a:pPr>
+            <a:r>
+              <a:rPr lang="en-US" dirty="0" smtClean="0">
+                <a:solidFill>
+                  <a:srgbClr val="595959"/>
+                </a:solidFill>
+              </a:rPr>
+              <a:t>Thank You</a:t>
             </a:r>
             <a:endParaRPr lang="en-US" dirty="0">
               <a:solidFill>
@@ -5732,156 +6057,13 @@
   <p:clrMapOvr>
     <a:masterClrMapping/>
   </p:clrMapOvr>
-</p:sld>
-</file>
-
-<file path=ppt/slides/slide8.xml><?xml version="1.0" encoding="utf-8"?>
-<p:sld xmlns:a="http://schemas.openxmlformats.org/drawingml/2006/main" xmlns:r="http://schemas.openxmlformats.org/officeDocument/2006/relationships" xmlns:p="http://schemas.openxmlformats.org/presentationml/2006/main">
-  <p:cSld>
-    <p:spTree>
-      <p:nvGrpSpPr>
-        <p:cNvPr id="1" name=""/>
-        <p:cNvGrpSpPr/>
-        <p:nvPr/>
-      </p:nvGrpSpPr>
-      <p:grpSpPr>
-        <a:xfrm>
-          <a:off x="0" y="0"/>
-          <a:ext cx="0" cy="0"/>
-          <a:chOff x="0" y="0"/>
-          <a:chExt cx="0" cy="0"/>
-        </a:xfrm>
-      </p:grpSpPr>
-      <p:sp>
-        <p:nvSpPr>
-          <p:cNvPr id="4" name="Content Placeholder 2"/>
-          <p:cNvSpPr>
-            <a:spLocks noGrp="1"/>
-          </p:cNvSpPr>
-          <p:nvPr>
-            <p:ph idx="1"/>
-          </p:nvPr>
-        </p:nvSpPr>
-        <p:spPr>
-          <a:xfrm>
-            <a:off x="457200" y="4708160"/>
-            <a:ext cx="8229600" cy="1966895"/>
-          </a:xfrm>
-        </p:spPr>
-        <p:txBody>
-          <a:bodyPr vert="horz" lIns="91440" tIns="45720" rIns="91440" bIns="45720" rtlCol="0">
-            <a:normAutofit/>
-          </a:bodyPr>
-          <a:lstStyle/>
-          <a:p>
-            <a:pPr marL="0" indent="0">
-              <a:buNone/>
-            </a:pPr>
-            <a:r>
-              <a:rPr lang="en-US" dirty="0" smtClean="0">
-                <a:solidFill>
-                  <a:srgbClr val="595959"/>
-                </a:solidFill>
-              </a:rPr>
-              <a:t>Demo</a:t>
-            </a:r>
-            <a:endParaRPr lang="en-US" dirty="0">
-              <a:solidFill>
-                <a:srgbClr val="595959"/>
-              </a:solidFill>
-            </a:endParaRPr>
-          </a:p>
-        </p:txBody>
-      </p:sp>
-    </p:spTree>
-    <p:extLst>
-      <p:ext uri="{BB962C8B-B14F-4D97-AF65-F5344CB8AC3E}">
-        <p14:creationId xmlns:p14="http://schemas.microsoft.com/office/powerpoint/2010/main" val="1771025329"/>
-      </p:ext>
-    </p:extLst>
-  </p:cSld>
-  <p:clrMapOvr>
-    <a:masterClrMapping/>
-  </p:clrMapOvr>
-</p:sld>
-</file>
-
-<file path=ppt/slides/slide9.xml><?xml version="1.0" encoding="utf-8"?>
-<p:sld xmlns:a="http://schemas.openxmlformats.org/drawingml/2006/main" xmlns:r="http://schemas.openxmlformats.org/officeDocument/2006/relationships" xmlns:p="http://schemas.openxmlformats.org/presentationml/2006/main">
-  <p:cSld>
-    <p:spTree>
-      <p:nvGrpSpPr>
-        <p:cNvPr id="1" name=""/>
-        <p:cNvGrpSpPr/>
-        <p:nvPr/>
-      </p:nvGrpSpPr>
-      <p:grpSpPr>
-        <a:xfrm>
-          <a:off x="0" y="0"/>
-          <a:ext cx="0" cy="0"/>
-          <a:chOff x="0" y="0"/>
-          <a:chExt cx="0" cy="0"/>
-        </a:xfrm>
-      </p:grpSpPr>
-      <p:sp>
-        <p:nvSpPr>
-          <p:cNvPr id="4" name="Content Placeholder 2"/>
-          <p:cNvSpPr>
-            <a:spLocks noGrp="1"/>
-          </p:cNvSpPr>
-          <p:nvPr>
-            <p:ph idx="1"/>
-          </p:nvPr>
-        </p:nvSpPr>
-        <p:spPr>
-          <a:xfrm>
-            <a:off x="457200" y="4708160"/>
-            <a:ext cx="8229600" cy="1966895"/>
-          </a:xfrm>
-        </p:spPr>
-        <p:txBody>
-          <a:bodyPr vert="horz" lIns="91440" tIns="45720" rIns="91440" bIns="45720" rtlCol="0">
-            <a:normAutofit/>
-          </a:bodyPr>
-          <a:lstStyle/>
-          <a:p>
-            <a:pPr marL="0" indent="0">
-              <a:buNone/>
-            </a:pPr>
-            <a:r>
-              <a:rPr lang="en-US" dirty="0">
-                <a:solidFill>
-                  <a:srgbClr val="595959"/>
-                </a:solidFill>
-              </a:rPr>
-              <a:t>Thank </a:t>
-            </a:r>
-            <a:r>
-              <a:rPr lang="en-US" dirty="0" smtClean="0">
-                <a:solidFill>
-                  <a:srgbClr val="595959"/>
-                </a:solidFill>
-              </a:rPr>
-              <a:t>You</a:t>
-            </a:r>
-            <a:endParaRPr lang="en-US" dirty="0">
-              <a:solidFill>
-                <a:srgbClr val="595959"/>
-              </a:solidFill>
-            </a:endParaRPr>
-          </a:p>
-        </p:txBody>
-      </p:sp>
-    </p:spTree>
-    <p:extLst>
-      <p:ext uri="{BB962C8B-B14F-4D97-AF65-F5344CB8AC3E}">
-        <p14:creationId xmlns:p14="http://schemas.microsoft.com/office/powerpoint/2010/main" val="2867249"/>
-      </p:ext>
-    </p:extLst>
-  </p:cSld>
-  <p:clrMapOvr>
-    <a:masterClrMapping/>
-  </p:clrMapOvr>
+  <p:timing>
+    <p:tnLst>
+      <p:par>
+        <p:cTn xmlns:p14="http://schemas.microsoft.com/office/powerpoint/2010/main" id="1" dur="indefinite" restart="never" nodeType="tmRoot"/>
+      </p:par>
+    </p:tnLst>
+  </p:timing>
 </p:sld>
 </file>
 
